--- a/Project 1 presentation.pptx
+++ b/Project 1 presentation.pptx
@@ -13,15 +13,15 @@
   <p:sldIdLst>
     <p:sldId id="256" r:id="rId5"/>
     <p:sldId id="2434" r:id="rId6"/>
-    <p:sldId id="2443" r:id="rId7"/>
-    <p:sldId id="2444" r:id="rId8"/>
+    <p:sldId id="2444" r:id="rId7"/>
+    <p:sldId id="2450" r:id="rId8"/>
     <p:sldId id="2452" r:id="rId9"/>
     <p:sldId id="2445" r:id="rId10"/>
     <p:sldId id="2446" r:id="rId11"/>
     <p:sldId id="2447" r:id="rId12"/>
     <p:sldId id="2448" r:id="rId13"/>
     <p:sldId id="2449" r:id="rId14"/>
-    <p:sldId id="2450" r:id="rId15"/>
+    <p:sldId id="2454" r:id="rId15"/>
     <p:sldId id="2451" r:id="rId16"/>
     <p:sldId id="2439" r:id="rId17"/>
     <p:sldId id="2440" r:id="rId18"/>
@@ -1367,7 +1367,7 @@
           <a:p>
             <a:fld id="{D1CB9CF0-A540-4793-A5F3-F4917CFDDCB6}" type="datetimeFigureOut">
               <a:rPr lang="en-US" smtClean="0"/>
-              <a:t>2/8/2022</a:t>
+              <a:t>2/9/2022</a:t>
             </a:fld>
             <a:endParaRPr lang="en-US" dirty="0"/>
           </a:p>
@@ -1544,7 +1544,7 @@
           <a:p>
             <a:fld id="{EDA03753-A5BE-4D79-AEA9-C0A65A6F8851}" type="datetimeFigureOut">
               <a:rPr lang="en-US" smtClean="0"/>
-              <a:t>2/8/2022</a:t>
+              <a:t>2/9/2022</a:t>
             </a:fld>
             <a:endParaRPr lang="en-US" dirty="0"/>
           </a:p>
@@ -2462,6 +2462,36 @@
           </a:p>
         </p:txBody>
       </p:sp>
+      <p:pic>
+        <p:nvPicPr>
+          <p:cNvPr id="4" name="Picture 3">
+            <a:extLst>
+              <a:ext uri="{FF2B5EF4-FFF2-40B4-BE49-F238E27FC236}">
+                <a16:creationId xmlns:a16="http://schemas.microsoft.com/office/drawing/2014/main" id="{A8B7EA64-2D10-47A5-B818-8DF064244994}"/>
+              </a:ext>
+            </a:extLst>
+          </p:cNvPr>
+          <p:cNvPicPr>
+            <a:picLocks noChangeAspect="1"/>
+          </p:cNvPicPr>
+          <p:nvPr userDrawn="1"/>
+        </p:nvPicPr>
+        <p:blipFill>
+          <a:blip r:embed="rId2"/>
+          <a:stretch>
+            <a:fillRect/>
+          </a:stretch>
+        </p:blipFill>
+        <p:spPr>
+          <a:xfrm>
+            <a:off x="65593" y="133671"/>
+            <a:ext cx="1761897" cy="1390008"/>
+          </a:xfrm>
+          <a:prstGeom prst="rect">
+            <a:avLst/>
+          </a:prstGeom>
+        </p:spPr>
+      </p:pic>
     </p:spTree>
     <p:extLst>
       <p:ext uri="{BB962C8B-B14F-4D97-AF65-F5344CB8AC3E}">
@@ -17474,15 +17504,21 @@
         </p:spPr>
         <p:txBody>
           <a:bodyPr>
-            <a:normAutofit fontScale="85000" lnSpcReduction="10000"/>
+            <a:normAutofit fontScale="92500" lnSpcReduction="20000"/>
           </a:bodyPr>
           <a:lstStyle/>
           <a:p>
             <a:r>
-              <a:rPr lang="en-US" dirty="0"/>
-              <a:t>FIND AN ETF PORTFOLIO TO MATCH YOUR GOALS</a:t>
+              <a:rPr lang="en-US" sz="1800" dirty="0"/>
+              <a:t>ATTRACT CLIENTS</a:t>
             </a:r>
-            <a:endParaRPr lang="en-US" dirty="0">
+          </a:p>
+          <a:p>
+            <a:r>
+              <a:rPr lang="en-US" sz="1800" dirty="0"/>
+              <a:t>WITH A FREE REPORT</a:t>
+            </a:r>
+            <a:endParaRPr lang="en-US" sz="1800" dirty="0">
               <a:solidFill>
                 <a:srgbClr val="2F3342"/>
               </a:solidFill>
@@ -17490,6 +17526,36 @@
           </a:p>
         </p:txBody>
       </p:sp>
+      <p:pic>
+        <p:nvPicPr>
+          <p:cNvPr id="2" name="Picture 1">
+            <a:extLst>
+              <a:ext uri="{FF2B5EF4-FFF2-40B4-BE49-F238E27FC236}">
+                <a16:creationId xmlns:a16="http://schemas.microsoft.com/office/drawing/2014/main" id="{005896A6-C538-481A-841F-8E38380E0409}"/>
+              </a:ext>
+            </a:extLst>
+          </p:cNvPr>
+          <p:cNvPicPr>
+            <a:picLocks noChangeAspect="1"/>
+          </p:cNvPicPr>
+          <p:nvPr/>
+        </p:nvPicPr>
+        <p:blipFill>
+          <a:blip r:embed="rId3"/>
+          <a:stretch>
+            <a:fillRect/>
+          </a:stretch>
+        </p:blipFill>
+        <p:spPr>
+          <a:xfrm>
+            <a:off x="133916" y="204880"/>
+            <a:ext cx="1761897" cy="1725318"/>
+          </a:xfrm>
+          <a:prstGeom prst="rect">
+            <a:avLst/>
+          </a:prstGeom>
+        </p:spPr>
+      </p:pic>
     </p:spTree>
     <p:extLst>
       <p:ext uri="{BB962C8B-B14F-4D97-AF65-F5344CB8AC3E}">
@@ -17664,67 +17730,10 @@
       </p:grpSpPr>
       <p:sp>
         <p:nvSpPr>
-          <p:cNvPr id="2" name="Title 1">
+          <p:cNvPr id="6" name="Slide Number Placeholder 5">
             <a:extLst>
               <a:ext uri="{FF2B5EF4-FFF2-40B4-BE49-F238E27FC236}">
-                <a16:creationId xmlns:a16="http://schemas.microsoft.com/office/drawing/2014/main" id="{8F1D5BE7-C36F-4E21-A63C-E9B442D1114F}"/>
-              </a:ext>
-            </a:extLst>
-          </p:cNvPr>
-          <p:cNvSpPr>
-            <a:spLocks noGrp="1"/>
-          </p:cNvSpPr>
-          <p:nvPr>
-            <p:ph type="title"/>
-          </p:nvPr>
-        </p:nvSpPr>
-        <p:spPr/>
-        <p:txBody>
-          <a:bodyPr/>
-          <a:lstStyle/>
-          <a:p>
-            <a:r>
-              <a:rPr lang="en-US" dirty="0"/>
-              <a:t>SAMPLE DATA</a:t>
-            </a:r>
-          </a:p>
-        </p:txBody>
-      </p:sp>
-      <p:sp>
-        <p:nvSpPr>
-          <p:cNvPr id="3" name="Footer Placeholder 2">
-            <a:extLst>
-              <a:ext uri="{FF2B5EF4-FFF2-40B4-BE49-F238E27FC236}">
-                <a16:creationId xmlns:a16="http://schemas.microsoft.com/office/drawing/2014/main" id="{B7C20DAC-9DB6-4515-971B-9D850CF7815D}"/>
-              </a:ext>
-            </a:extLst>
-          </p:cNvPr>
-          <p:cNvSpPr>
-            <a:spLocks noGrp="1"/>
-          </p:cNvSpPr>
-          <p:nvPr>
-            <p:ph type="ftr" sz="quarter" idx="10"/>
-          </p:nvPr>
-        </p:nvSpPr>
-        <p:spPr/>
-        <p:txBody>
-          <a:bodyPr/>
-          <a:lstStyle/>
-          <a:p>
-            <a:r>
-              <a:rPr lang="en-US"/>
-              <a:t>Add a Footer</a:t>
-            </a:r>
-            <a:endParaRPr lang="en-US" dirty="0"/>
-          </a:p>
-        </p:txBody>
-      </p:sp>
-      <p:sp>
-        <p:nvSpPr>
-          <p:cNvPr id="4" name="Slide Number Placeholder 3">
-            <a:extLst>
-              <a:ext uri="{FF2B5EF4-FFF2-40B4-BE49-F238E27FC236}">
-                <a16:creationId xmlns:a16="http://schemas.microsoft.com/office/drawing/2014/main" id="{C94957B4-5AE9-4220-87B6-BBB66AC0E59C}"/>
+                <a16:creationId xmlns:a16="http://schemas.microsoft.com/office/drawing/2014/main" id="{461D91A4-2603-4662-A8C0-8959C95F0621}"/>
               </a:ext>
             </a:extLst>
           </p:cNvPr>
@@ -17749,35 +17758,128 @@
           </a:p>
         </p:txBody>
       </p:sp>
-      <p:sp>
-        <p:nvSpPr>
-          <p:cNvPr id="5" name="Content Placeholder 4">
+      <p:pic>
+        <p:nvPicPr>
+          <p:cNvPr id="7" name="Picture 6">
             <a:extLst>
               <a:ext uri="{FF2B5EF4-FFF2-40B4-BE49-F238E27FC236}">
-                <a16:creationId xmlns:a16="http://schemas.microsoft.com/office/drawing/2014/main" id="{E742D916-2B17-43E6-8709-D29220B8204C}"/>
+                <a16:creationId xmlns:a16="http://schemas.microsoft.com/office/drawing/2014/main" id="{D7E57432-49DD-4444-9E7F-482D8790C94A}"/>
               </a:ext>
             </a:extLst>
           </p:cNvPr>
-          <p:cNvSpPr>
-            <a:spLocks noGrp="1"/>
-          </p:cNvSpPr>
-          <p:nvPr>
-            <p:ph idx="1"/>
-          </p:nvPr>
-        </p:nvSpPr>
-        <p:spPr/>
-        <p:txBody>
-          <a:bodyPr/>
-          <a:lstStyle/>
-          <a:p>
-            <a:endParaRPr lang="en-US"/>
-          </a:p>
-        </p:txBody>
-      </p:sp>
+          <p:cNvPicPr>
+            <a:picLocks noChangeAspect="1"/>
+          </p:cNvPicPr>
+          <p:nvPr/>
+        </p:nvPicPr>
+        <p:blipFill>
+          <a:blip r:embed="rId2"/>
+          <a:stretch>
+            <a:fillRect/>
+          </a:stretch>
+        </p:blipFill>
+        <p:spPr>
+          <a:xfrm>
+            <a:off x="1371599" y="1028700"/>
+            <a:ext cx="1762125" cy="1724519"/>
+          </a:xfrm>
+          <a:prstGeom prst="rect">
+            <a:avLst/>
+          </a:prstGeom>
+        </p:spPr>
+      </p:pic>
+      <p:pic>
+        <p:nvPicPr>
+          <p:cNvPr id="8" name="Picture 7">
+            <a:extLst>
+              <a:ext uri="{FF2B5EF4-FFF2-40B4-BE49-F238E27FC236}">
+                <a16:creationId xmlns:a16="http://schemas.microsoft.com/office/drawing/2014/main" id="{9C8B1336-0D3C-4455-9EB4-499F6F52BA57}"/>
+              </a:ext>
+            </a:extLst>
+          </p:cNvPr>
+          <p:cNvPicPr>
+            <a:picLocks noChangeAspect="1"/>
+          </p:cNvPicPr>
+          <p:nvPr/>
+        </p:nvPicPr>
+        <p:blipFill rotWithShape="1">
+          <a:blip r:embed="rId2"/>
+          <a:srcRect b="19360"/>
+          <a:stretch/>
+        </p:blipFill>
+        <p:spPr>
+          <a:xfrm>
+            <a:off x="4333875" y="1028699"/>
+            <a:ext cx="1762125" cy="1390651"/>
+          </a:xfrm>
+          <a:prstGeom prst="rect">
+            <a:avLst/>
+          </a:prstGeom>
+        </p:spPr>
+      </p:pic>
+      <p:pic>
+        <p:nvPicPr>
+          <p:cNvPr id="9" name="Picture 8">
+            <a:extLst>
+              <a:ext uri="{FF2B5EF4-FFF2-40B4-BE49-F238E27FC236}">
+                <a16:creationId xmlns:a16="http://schemas.microsoft.com/office/drawing/2014/main" id="{B0AF2C44-96AB-4330-81EC-802F3322BB4C}"/>
+              </a:ext>
+            </a:extLst>
+          </p:cNvPr>
+          <p:cNvPicPr>
+            <a:picLocks noChangeAspect="1"/>
+          </p:cNvPicPr>
+          <p:nvPr/>
+        </p:nvPicPr>
+        <p:blipFill rotWithShape="1">
+          <a:blip r:embed="rId2"/>
+          <a:srcRect l="23243" t="18779" r="18918" b="19360"/>
+          <a:stretch/>
+        </p:blipFill>
+        <p:spPr>
+          <a:xfrm>
+            <a:off x="7296152" y="1428750"/>
+            <a:ext cx="971548" cy="1066800"/>
+          </a:xfrm>
+          <a:prstGeom prst="rect">
+            <a:avLst/>
+          </a:prstGeom>
+        </p:spPr>
+      </p:pic>
+      <p:pic>
+        <p:nvPicPr>
+          <p:cNvPr id="10" name="Picture 9">
+            <a:extLst>
+              <a:ext uri="{FF2B5EF4-FFF2-40B4-BE49-F238E27FC236}">
+                <a16:creationId xmlns:a16="http://schemas.microsoft.com/office/drawing/2014/main" id="{BFF7299C-F603-4B2C-913C-25B3875DCE6C}"/>
+              </a:ext>
+            </a:extLst>
+          </p:cNvPr>
+          <p:cNvPicPr>
+            <a:picLocks noChangeAspect="1"/>
+          </p:cNvPicPr>
+          <p:nvPr/>
+        </p:nvPicPr>
+        <p:blipFill>
+          <a:blip r:embed="rId3"/>
+          <a:stretch>
+            <a:fillRect/>
+          </a:stretch>
+        </p:blipFill>
+        <p:spPr>
+          <a:xfrm>
+            <a:off x="6391275" y="1350992"/>
+            <a:ext cx="4824886" cy="2645905"/>
+          </a:xfrm>
+          <a:prstGeom prst="rect">
+            <a:avLst/>
+          </a:prstGeom>
+        </p:spPr>
+      </p:pic>
     </p:spTree>
     <p:extLst>
       <p:ext uri="{BB962C8B-B14F-4D97-AF65-F5344CB8AC3E}">
-        <p14:creationId xmlns:p14="http://schemas.microsoft.com/office/powerpoint/2010/main" val="2424735460"/>
+        <p14:creationId xmlns:p14="http://schemas.microsoft.com/office/powerpoint/2010/main" val="2137953658"/>
       </p:ext>
     </p:extLst>
   </p:cSld>
@@ -24867,7 +24969,12 @@
             <p:ph type="body" idx="13"/>
           </p:nvPr>
         </p:nvSpPr>
-        <p:spPr/>
+        <p:spPr>
+          <a:xfrm>
+            <a:off x="6547865" y="1497308"/>
+            <a:ext cx="3883398" cy="696829"/>
+          </a:xfrm>
+        </p:spPr>
         <p:txBody>
           <a:bodyPr/>
           <a:lstStyle/>
@@ -24875,14 +24982,7 @@
             <a:pPr algn="ctr"/>
             <a:r>
               <a:rPr lang="en-US" dirty="0"/>
-              <a:t>FIND AN ETF PORTFOLIO</a:t>
-            </a:r>
-          </a:p>
-          <a:p>
-            <a:pPr algn="ctr"/>
-            <a:r>
-              <a:rPr lang="en-US" dirty="0"/>
-              <a:t>TO MATCH YOUR GOALS</a:t>
+              <a:t>ATTRACT CLIENTS WITH A FREE REPORT</a:t>
             </a:r>
           </a:p>
         </p:txBody>
@@ -24911,7 +25011,7 @@
         </p:spPr>
         <p:txBody>
           <a:bodyPr>
-            <a:normAutofit/>
+            <a:normAutofit fontScale="92500"/>
           </a:bodyPr>
           <a:lstStyle/>
           <a:p>
@@ -24920,7 +25020,7 @@
             </a:pPr>
             <a:r>
               <a:rPr lang="en-US" dirty="0"/>
-              <a:t>This app will help you to build a portfolio of ETFs to match your risk tolerance and investing goals. Enter basic information about you and your goals and the app provides recommended ETFs that are compared to benchmarks. You’ll receive a customized pdf report via email.</a:t>
+              <a:t>The marketing rule of reciprocity shows that you can attract new clients by giving them something for free. This app allows you to build a portfolio of ETFs based on a potential client’s risk tolerance and investing goals. Use the pdf report to show how you can customize a portfolio to fit their risk tolerance and how that compares to common benchmarks like the S&amp;P 500.</a:t>
             </a:r>
           </a:p>
         </p:txBody>
@@ -25026,6 +25126,36 @@
           </a:p>
         </p:txBody>
       </p:sp>
+      <p:pic>
+        <p:nvPicPr>
+          <p:cNvPr id="13" name="Picture 12">
+            <a:extLst>
+              <a:ext uri="{FF2B5EF4-FFF2-40B4-BE49-F238E27FC236}">
+                <a16:creationId xmlns:a16="http://schemas.microsoft.com/office/drawing/2014/main" id="{45D1FB63-27D7-4E49-B69D-2E329333B015}"/>
+              </a:ext>
+            </a:extLst>
+          </p:cNvPr>
+          <p:cNvPicPr>
+            <a:picLocks noChangeAspect="1"/>
+          </p:cNvPicPr>
+          <p:nvPr/>
+        </p:nvPicPr>
+        <p:blipFill>
+          <a:blip r:embed="rId4"/>
+          <a:stretch>
+            <a:fillRect/>
+          </a:stretch>
+        </p:blipFill>
+        <p:spPr>
+          <a:xfrm>
+            <a:off x="109845" y="55261"/>
+            <a:ext cx="969348" cy="1066892"/>
+          </a:xfrm>
+          <a:prstGeom prst="rect">
+            <a:avLst/>
+          </a:prstGeom>
+        </p:spPr>
+      </p:pic>
     </p:spTree>
     <p:extLst>
       <p:ext uri="{BB962C8B-B14F-4D97-AF65-F5344CB8AC3E}">
@@ -26963,12 +27093,14 @@
         </p:nvSpPr>
         <p:spPr/>
         <p:txBody>
-          <a:bodyPr/>
+          <a:bodyPr>
+            <a:normAutofit/>
+          </a:bodyPr>
           <a:lstStyle/>
           <a:p>
             <a:r>
               <a:rPr lang="en-US" dirty="0"/>
-              <a:t>OVERVIEW</a:t>
+              <a:t>FEATURES</a:t>
             </a:r>
           </a:p>
         </p:txBody>
@@ -27050,17 +27182,126 @@
         </p:nvSpPr>
         <p:spPr/>
         <p:txBody>
-          <a:bodyPr/>
+          <a:bodyPr>
+            <a:noAutofit/>
+          </a:bodyPr>
           <a:lstStyle/>
           <a:p>
-            <a:endParaRPr lang="en-US"/>
+            <a:r>
+              <a:rPr lang="en-US" sz="1800" dirty="0"/>
+              <a:t>As a financial advisor, use this app to attract new clients by offering them something of value and creating reciprocity</a:t>
+            </a:r>
+          </a:p>
+          <a:p>
+            <a:r>
+              <a:rPr lang="en-US" sz="1800" dirty="0"/>
+              <a:t>The app provides simple ETF investment recommendations that you can build on to create a more customized portfolio  once the client signs on with you</a:t>
+            </a:r>
+          </a:p>
+          <a:p>
+            <a:r>
+              <a:rPr lang="en-US" sz="1800" dirty="0"/>
+              <a:t>The app:</a:t>
+            </a:r>
+          </a:p>
+          <a:p>
+            <a:pPr lvl="1"/>
+            <a:r>
+              <a:rPr lang="en-US" sz="1800" dirty="0"/>
+              <a:t> Collects data from the potential client</a:t>
+            </a:r>
+          </a:p>
+          <a:p>
+            <a:pPr lvl="1"/>
+            <a:r>
+              <a:rPr lang="en-US" sz="1800" dirty="0"/>
+              <a:t> Translates data into a risk score</a:t>
+            </a:r>
+          </a:p>
+          <a:p>
+            <a:pPr lvl="1"/>
+            <a:r>
+              <a:rPr lang="en-US" sz="1800" dirty="0"/>
+              <a:t>Uses the client information and risk score to recommend a portfolio of ETFs</a:t>
+            </a:r>
+          </a:p>
+          <a:p>
+            <a:pPr lvl="1"/>
+            <a:r>
+              <a:rPr lang="en-US" sz="1800" dirty="0"/>
+              <a:t>Generates graphs to show how the recommended portfolio compares to portfolios with other levels of risk and benchmarks like the S&amp;P500</a:t>
+            </a:r>
+          </a:p>
+          <a:p>
+            <a:pPr lvl="1"/>
+            <a:r>
+              <a:rPr lang="en-US" sz="1800" dirty="0"/>
+              <a:t>Outputs a pdf of the graphical results that can be shared with the potential client</a:t>
+            </a:r>
+          </a:p>
+          <a:p>
+            <a:r>
+              <a:rPr lang="en-US" sz="1800" dirty="0"/>
+              <a:t>The app is answering these three questions:</a:t>
+            </a:r>
+          </a:p>
+          <a:p>
+            <a:pPr lvl="1"/>
+            <a:r>
+              <a:rPr lang="en-US" sz="1400" dirty="0"/>
+              <a:t>1. Which criteria are important in determining portfolio suitability?</a:t>
+            </a:r>
+          </a:p>
+          <a:p>
+            <a:pPr lvl="1"/>
+            <a:r>
+              <a:rPr lang="en-US" sz="1400" dirty="0"/>
+              <a:t>2. Which stock portfolios are best suited for each type of investor?</a:t>
+            </a:r>
+          </a:p>
+          <a:p>
+            <a:pPr lvl="1"/>
+            <a:r>
+              <a:rPr lang="en-US" sz="1400" dirty="0"/>
+              <a:t>3. How are these different types of portfolios likely to perform compared to benchmarks?</a:t>
+            </a:r>
           </a:p>
         </p:txBody>
       </p:sp>
+      <p:pic>
+        <p:nvPicPr>
+          <p:cNvPr id="6" name="Picture 5">
+            <a:extLst>
+              <a:ext uri="{FF2B5EF4-FFF2-40B4-BE49-F238E27FC236}">
+                <a16:creationId xmlns:a16="http://schemas.microsoft.com/office/drawing/2014/main" id="{B26B8433-6A5B-4A87-849E-2B13FCA1C343}"/>
+              </a:ext>
+            </a:extLst>
+          </p:cNvPr>
+          <p:cNvPicPr>
+            <a:picLocks noChangeAspect="1"/>
+          </p:cNvPicPr>
+          <p:nvPr/>
+        </p:nvPicPr>
+        <p:blipFill>
+          <a:blip r:embed="rId2"/>
+          <a:stretch>
+            <a:fillRect/>
+          </a:stretch>
+        </p:blipFill>
+        <p:spPr>
+          <a:xfrm>
+            <a:off x="109845" y="61073"/>
+            <a:ext cx="969348" cy="1066892"/>
+          </a:xfrm>
+          <a:prstGeom prst="rect">
+            <a:avLst/>
+          </a:prstGeom>
+        </p:spPr>
+      </p:pic>
     </p:spTree>
     <p:extLst>
       <p:ext uri="{BB962C8B-B14F-4D97-AF65-F5344CB8AC3E}">
-        <p14:creationId xmlns:p14="http://schemas.microsoft.com/office/powerpoint/2010/main" val="2989197032"/>
+        <p14:creationId xmlns:p14="http://schemas.microsoft.com/office/powerpoint/2010/main" val="3102118612"/>
       </p:ext>
     </p:extLst>
   </p:cSld>
@@ -27089,36 +27330,6 @@
       </p:grpSpPr>
       <p:sp>
         <p:nvSpPr>
-          <p:cNvPr id="2" name="Title 1">
-            <a:extLst>
-              <a:ext uri="{FF2B5EF4-FFF2-40B4-BE49-F238E27FC236}">
-                <a16:creationId xmlns:a16="http://schemas.microsoft.com/office/drawing/2014/main" id="{8F1D5BE7-C36F-4E21-A63C-E9B442D1114F}"/>
-              </a:ext>
-            </a:extLst>
-          </p:cNvPr>
-          <p:cNvSpPr>
-            <a:spLocks noGrp="1"/>
-          </p:cNvSpPr>
-          <p:nvPr>
-            <p:ph type="title"/>
-          </p:nvPr>
-        </p:nvSpPr>
-        <p:spPr/>
-        <p:txBody>
-          <a:bodyPr>
-            <a:normAutofit/>
-          </a:bodyPr>
-          <a:lstStyle/>
-          <a:p>
-            <a:r>
-              <a:rPr lang="en-US" dirty="0"/>
-              <a:t>FEATURES</a:t>
-            </a:r>
-          </a:p>
-        </p:txBody>
-      </p:sp>
-      <p:sp>
-        <p:nvSpPr>
           <p:cNvPr id="3" name="Footer Placeholder 2">
             <a:extLst>
               <a:ext uri="{FF2B5EF4-FFF2-40B4-BE49-F238E27FC236}">
@@ -27130,7 +27341,7 @@
             <a:spLocks noGrp="1"/>
           </p:cNvSpPr>
           <p:nvPr>
-            <p:ph type="ftr" sz="quarter" idx="10"/>
+            <p:ph type="ftr" sz="quarter" idx="14"/>
           </p:nvPr>
         </p:nvSpPr>
         <p:spPr/>
@@ -27159,7 +27370,7 @@
             <a:spLocks noGrp="1"/>
           </p:cNvSpPr>
           <p:nvPr>
-            <p:ph type="sldNum" sz="quarter" idx="11"/>
+            <p:ph type="sldNum" sz="quarter" idx="15"/>
           </p:nvPr>
         </p:nvSpPr>
         <p:spPr/>
@@ -27178,10 +27389,10 @@
       </p:sp>
       <p:sp>
         <p:nvSpPr>
-          <p:cNvPr id="5" name="Content Placeholder 4">
+          <p:cNvPr id="12" name="Content Placeholder 11">
             <a:extLst>
               <a:ext uri="{FF2B5EF4-FFF2-40B4-BE49-F238E27FC236}">
-                <a16:creationId xmlns:a16="http://schemas.microsoft.com/office/drawing/2014/main" id="{E742D916-2B17-43E6-8709-D29220B8204C}"/>
+                <a16:creationId xmlns:a16="http://schemas.microsoft.com/office/drawing/2014/main" id="{A4E360D2-FF07-4611-A0AE-75B2362CCC7C}"/>
               </a:ext>
             </a:extLst>
           </p:cNvPr>
@@ -27192,19 +27403,293 @@
             <p:ph idx="1"/>
           </p:nvPr>
         </p:nvSpPr>
-        <p:spPr/>
+        <p:spPr>
+          <a:xfrm>
+            <a:off x="6294478" y="759533"/>
+            <a:ext cx="5326022" cy="4441371"/>
+          </a:xfrm>
+        </p:spPr>
         <p:txBody>
           <a:bodyPr/>
           <a:lstStyle/>
           <a:p>
-            <a:endParaRPr lang="en-US"/>
+            <a:pPr marL="0" indent="0">
+              <a:buNone/>
+            </a:pPr>
+            <a:r>
+              <a:rPr lang="en-US" sz="2400" dirty="0"/>
+              <a:t>Reciprocity shows that giving someone something causes people to want to give back.</a:t>
+            </a:r>
+          </a:p>
+          <a:p>
+            <a:pPr marL="0" indent="0">
+              <a:buNone/>
+            </a:pPr>
+            <a:endParaRPr lang="en-US" sz="2400" dirty="0"/>
+          </a:p>
+          <a:p>
+            <a:pPr marL="0" indent="0">
+              <a:buNone/>
+            </a:pPr>
+            <a:r>
+              <a:rPr lang="en-US" sz="2400" dirty="0"/>
+              <a:t>One study showed that a small gift left with a restaurant check led to 21% increase in tips.</a:t>
+            </a:r>
+          </a:p>
+          <a:p>
+            <a:pPr marL="0" indent="0" algn="ctr">
+              <a:buNone/>
+            </a:pPr>
+            <a:endParaRPr lang="en-US" i="1" dirty="0"/>
+          </a:p>
+          <a:p>
+            <a:pPr marL="0" indent="0" algn="ctr">
+              <a:buNone/>
+            </a:pPr>
+            <a:r>
+              <a:rPr lang="en-US" sz="2400" i="1" dirty="0"/>
+              <a:t>This gift of this free report should encourage potential clients to sign up for financial advising.</a:t>
+            </a:r>
+          </a:p>
+          <a:p>
+            <a:pPr marL="0" indent="0">
+              <a:buNone/>
+            </a:pPr>
+            <a:endParaRPr lang="en-US" dirty="0"/>
+          </a:p>
+          <a:p>
+            <a:pPr marL="0" indent="0">
+              <a:buNone/>
+            </a:pPr>
+            <a:endParaRPr lang="en-US" dirty="0"/>
           </a:p>
         </p:txBody>
       </p:sp>
+      <p:sp>
+        <p:nvSpPr>
+          <p:cNvPr id="2" name="Title 1">
+            <a:extLst>
+              <a:ext uri="{FF2B5EF4-FFF2-40B4-BE49-F238E27FC236}">
+                <a16:creationId xmlns:a16="http://schemas.microsoft.com/office/drawing/2014/main" id="{8F1D5BE7-C36F-4E21-A63C-E9B442D1114F}"/>
+              </a:ext>
+            </a:extLst>
+          </p:cNvPr>
+          <p:cNvSpPr>
+            <a:spLocks noGrp="1"/>
+          </p:cNvSpPr>
+          <p:nvPr>
+            <p:ph type="title"/>
+          </p:nvPr>
+        </p:nvSpPr>
+        <p:spPr>
+          <a:xfrm>
+            <a:off x="571500" y="1246211"/>
+            <a:ext cx="4101084" cy="489654"/>
+          </a:xfrm>
+        </p:spPr>
+        <p:txBody>
+          <a:bodyPr>
+            <a:normAutofit fontScale="90000"/>
+          </a:bodyPr>
+          <a:lstStyle/>
+          <a:p>
+            <a:r>
+              <a:rPr lang="en-US" dirty="0"/>
+              <a:t>RECIPROCITY</a:t>
+            </a:r>
+          </a:p>
+        </p:txBody>
+      </p:sp>
+      <p:pic>
+        <p:nvPicPr>
+          <p:cNvPr id="7" name="Picture 6">
+            <a:extLst>
+              <a:ext uri="{FF2B5EF4-FFF2-40B4-BE49-F238E27FC236}">
+                <a16:creationId xmlns:a16="http://schemas.microsoft.com/office/drawing/2014/main" id="{5635CE5E-43C6-4944-A6D8-48A0108F03DE}"/>
+              </a:ext>
+            </a:extLst>
+          </p:cNvPr>
+          <p:cNvPicPr>
+            <a:picLocks noChangeAspect="1"/>
+          </p:cNvPicPr>
+          <p:nvPr/>
+        </p:nvPicPr>
+        <p:blipFill>
+          <a:blip r:embed="rId2"/>
+          <a:stretch>
+            <a:fillRect/>
+          </a:stretch>
+        </p:blipFill>
+        <p:spPr>
+          <a:xfrm>
+            <a:off x="250368" y="2103461"/>
+            <a:ext cx="4743347" cy="3350620"/>
+          </a:xfrm>
+          <a:prstGeom prst="rect">
+            <a:avLst/>
+          </a:prstGeom>
+        </p:spPr>
+      </p:pic>
+      <p:sp>
+        <p:nvSpPr>
+          <p:cNvPr id="10" name="TextBox 9">
+            <a:extLst>
+              <a:ext uri="{FF2B5EF4-FFF2-40B4-BE49-F238E27FC236}">
+                <a16:creationId xmlns:a16="http://schemas.microsoft.com/office/drawing/2014/main" id="{F29E6E60-7A8F-4AD1-B4C3-397FCD44242E}"/>
+              </a:ext>
+            </a:extLst>
+          </p:cNvPr>
+          <p:cNvSpPr txBox="1"/>
+          <p:nvPr/>
+        </p:nvSpPr>
+        <p:spPr>
+          <a:xfrm>
+            <a:off x="6617989" y="5390581"/>
+            <a:ext cx="4679000" cy="707886"/>
+          </a:xfrm>
+          <a:prstGeom prst="rect">
+            <a:avLst/>
+          </a:prstGeom>
+          <a:noFill/>
+        </p:spPr>
+        <p:txBody>
+          <a:bodyPr wrap="square" rtlCol="0">
+            <a:spAutoFit/>
+          </a:bodyPr>
+          <a:lstStyle/>
+          <a:p>
+            <a:pPr algn="l"/>
+            <a:r>
+              <a:rPr lang="en-US" sz="1000" b="1" i="0" dirty="0">
+                <a:solidFill>
+                  <a:srgbClr val="292929"/>
+                </a:solidFill>
+                <a:effectLst/>
+                <a:latin typeface="sohne"/>
+              </a:rPr>
+              <a:t>The Rule of Reciprocity: To owe or not to owe</a:t>
+            </a:r>
+          </a:p>
+          <a:p>
+            <a:r>
+              <a:rPr lang="en-US" sz="1000" b="0" i="0" dirty="0">
+                <a:solidFill>
+                  <a:srgbClr val="292929"/>
+                </a:solidFill>
+                <a:effectLst/>
+                <a:latin typeface="charter"/>
+              </a:rPr>
+              <a:t>By </a:t>
+            </a:r>
+            <a:r>
+              <a:rPr lang="en-US" sz="1000" b="0" i="0" dirty="0" err="1">
+                <a:solidFill>
+                  <a:srgbClr val="292929"/>
+                </a:solidFill>
+                <a:effectLst/>
+                <a:latin typeface="charter"/>
+              </a:rPr>
+              <a:t>Akalya</a:t>
+            </a:r>
+            <a:r>
+              <a:rPr lang="en-US" sz="1000" b="0" i="0" dirty="0">
+                <a:solidFill>
+                  <a:srgbClr val="292929"/>
+                </a:solidFill>
+                <a:effectLst/>
+                <a:latin typeface="charter"/>
+              </a:rPr>
+              <a:t> </a:t>
+            </a:r>
+            <a:r>
+              <a:rPr lang="en-US" sz="1000" b="0" i="0" dirty="0" err="1">
+                <a:solidFill>
+                  <a:srgbClr val="292929"/>
+                </a:solidFill>
+                <a:effectLst/>
+                <a:latin typeface="charter"/>
+              </a:rPr>
+              <a:t>Srikumar</a:t>
+            </a:r>
+            <a:r>
+              <a:rPr lang="en-US" sz="1000" b="0" i="0" dirty="0">
+                <a:solidFill>
+                  <a:srgbClr val="292929"/>
+                </a:solidFill>
+                <a:effectLst/>
+                <a:latin typeface="charter"/>
+              </a:rPr>
+              <a:t>(UG 22), </a:t>
+            </a:r>
+            <a:r>
+              <a:rPr lang="en-US" sz="1000" b="0" i="1" dirty="0">
+                <a:solidFill>
+                  <a:srgbClr val="292929"/>
+                </a:solidFill>
+                <a:effectLst/>
+                <a:latin typeface="charter"/>
+              </a:rPr>
+              <a:t>Edited by Nitya Deep(UG 23) </a:t>
+            </a:r>
+            <a:r>
+              <a:rPr lang="en-US" sz="1000" i="1" dirty="0">
+                <a:solidFill>
+                  <a:srgbClr val="292929"/>
+                </a:solidFill>
+                <a:latin typeface="charter"/>
+              </a:rPr>
+              <a:t>On Medium.com</a:t>
+            </a:r>
+            <a:endParaRPr lang="en-US" sz="1000" b="0" i="0" dirty="0">
+              <a:solidFill>
+                <a:srgbClr val="292929"/>
+              </a:solidFill>
+              <a:effectLst/>
+              <a:latin typeface="charter"/>
+            </a:endParaRPr>
+          </a:p>
+          <a:p>
+            <a:r>
+              <a:rPr lang="en-US" sz="1000" dirty="0"/>
+              <a:t>https://medium.com/the-nudgelet/the-rule-of-reciprocity-to-owe-or-not-to-owe-80747cd87735</a:t>
+            </a:r>
+          </a:p>
+        </p:txBody>
+      </p:sp>
+      <p:pic>
+        <p:nvPicPr>
+          <p:cNvPr id="11" name="Picture 10">
+            <a:extLst>
+              <a:ext uri="{FF2B5EF4-FFF2-40B4-BE49-F238E27FC236}">
+                <a16:creationId xmlns:a16="http://schemas.microsoft.com/office/drawing/2014/main" id="{D7C9B960-42EA-454A-BAEF-18D01750DD19}"/>
+              </a:ext>
+            </a:extLst>
+          </p:cNvPr>
+          <p:cNvPicPr>
+            <a:picLocks noChangeAspect="1"/>
+          </p:cNvPicPr>
+          <p:nvPr/>
+        </p:nvPicPr>
+        <p:blipFill>
+          <a:blip r:embed="rId3"/>
+          <a:stretch>
+            <a:fillRect/>
+          </a:stretch>
+        </p:blipFill>
+        <p:spPr>
+          <a:xfrm>
+            <a:off x="109845" y="55261"/>
+            <a:ext cx="969348" cy="1066892"/>
+          </a:xfrm>
+          <a:prstGeom prst="rect">
+            <a:avLst/>
+          </a:prstGeom>
+        </p:spPr>
+      </p:pic>
     </p:spTree>
     <p:extLst>
       <p:ext uri="{BB962C8B-B14F-4D97-AF65-F5344CB8AC3E}">
-        <p14:creationId xmlns:p14="http://schemas.microsoft.com/office/powerpoint/2010/main" val="3102118612"/>
+        <p14:creationId xmlns:p14="http://schemas.microsoft.com/office/powerpoint/2010/main" val="2424735460"/>
       </p:ext>
     </p:extLst>
   </p:cSld>
@@ -27254,7 +27739,7 @@
           <a:p>
             <a:r>
               <a:rPr lang="en-US" dirty="0"/>
-              <a:t>Share your information</a:t>
+              <a:t>INPUT CLIENT information</a:t>
             </a:r>
           </a:p>
         </p:txBody>
@@ -27334,15 +27819,150 @@
             <p:ph idx="1"/>
           </p:nvPr>
         </p:nvSpPr>
-        <p:spPr/>
+        <p:spPr>
+          <a:xfrm>
+            <a:off x="1524000" y="1189038"/>
+            <a:ext cx="8151223" cy="4834129"/>
+          </a:xfrm>
+        </p:spPr>
         <p:txBody>
-          <a:bodyPr/>
+          <a:bodyPr>
+            <a:normAutofit/>
+          </a:bodyPr>
           <a:lstStyle/>
           <a:p>
-            <a:endParaRPr lang="en-US"/>
+            <a:pPr marL="0" indent="0">
+              <a:buNone/>
+            </a:pPr>
+            <a:endParaRPr lang="en-US" sz="1600" dirty="0"/>
+          </a:p>
+          <a:p>
+            <a:pPr marL="0" indent="0">
+              <a:buNone/>
+            </a:pPr>
+            <a:endParaRPr lang="en-US" sz="1600" dirty="0"/>
+          </a:p>
+          <a:p>
+            <a:pPr marL="0" indent="0">
+              <a:buNone/>
+            </a:pPr>
+            <a:r>
+              <a:rPr lang="en-US" sz="1600" dirty="0"/>
+              <a:t>You or the potential client would enter the following information into the app:</a:t>
+            </a:r>
+          </a:p>
+          <a:p>
+            <a:pPr lvl="1"/>
+            <a:r>
+              <a:rPr lang="en-US" sz="1200" dirty="0"/>
+              <a:t>What is your name?</a:t>
+            </a:r>
+          </a:p>
+          <a:p>
+            <a:pPr lvl="1"/>
+            <a:r>
+              <a:rPr lang="en-US" sz="1200" dirty="0"/>
+              <a:t>What is your phone number?</a:t>
+            </a:r>
+          </a:p>
+          <a:p>
+            <a:pPr lvl="1"/>
+            <a:r>
+              <a:rPr lang="en-US" sz="1200" dirty="0"/>
+              <a:t>What is your email address?</a:t>
+            </a:r>
+          </a:p>
+          <a:p>
+            <a:pPr lvl="1"/>
+            <a:r>
+              <a:rPr lang="en-US" sz="1200" dirty="0"/>
+              <a:t>What’s your annual income?</a:t>
+            </a:r>
+          </a:p>
+          <a:p>
+            <a:pPr lvl="1"/>
+            <a:r>
+              <a:rPr lang="en-US" sz="1200" dirty="0"/>
+              <a:t>How many years of investing experience do you have?</a:t>
+            </a:r>
+          </a:p>
+          <a:p>
+            <a:pPr lvl="1"/>
+            <a:r>
+              <a:rPr lang="en-US" sz="1200" dirty="0"/>
+              <a:t>What is the amount you want to start investing?</a:t>
+            </a:r>
+          </a:p>
+          <a:p>
+            <a:pPr lvl="1"/>
+            <a:r>
+              <a:rPr lang="en-US" sz="1200" dirty="0"/>
+              <a:t>What are your annual expenses?</a:t>
+            </a:r>
+          </a:p>
+          <a:p>
+            <a:pPr lvl="1"/>
+            <a:r>
+              <a:rPr lang="en-US" sz="1200" dirty="0"/>
+              <a:t>Is your source of income stable?</a:t>
+            </a:r>
+          </a:p>
+          <a:p>
+            <a:pPr lvl="1"/>
+            <a:r>
+              <a:rPr lang="en-US" sz="1200" dirty="0"/>
+              <a:t>What is your level of risk? (Low, Moderate, High, Speculative)</a:t>
+            </a:r>
+          </a:p>
+          <a:p>
+            <a:pPr lvl="1"/>
+            <a:r>
+              <a:rPr lang="en-US" sz="1200" dirty="0"/>
+              <a:t>What do you want to do with this investment? (Income, Growth, Value, Income/ Growth, Income/ Value, Growth/ Value, Income/Growth/ Value)</a:t>
+            </a:r>
+          </a:p>
+          <a:p>
+            <a:pPr lvl="1"/>
+            <a:r>
+              <a:rPr lang="en-US" sz="1200" dirty="0"/>
+              <a:t>How long do you plan to invest the money in years?</a:t>
+            </a:r>
+          </a:p>
+          <a:p>
+            <a:endParaRPr lang="en-US" sz="1600" dirty="0"/>
           </a:p>
         </p:txBody>
       </p:sp>
+      <p:pic>
+        <p:nvPicPr>
+          <p:cNvPr id="6" name="Picture 5">
+            <a:extLst>
+              <a:ext uri="{FF2B5EF4-FFF2-40B4-BE49-F238E27FC236}">
+                <a16:creationId xmlns:a16="http://schemas.microsoft.com/office/drawing/2014/main" id="{F2A8F2E1-E24A-49BB-90B7-B4FEB01AC58F}"/>
+              </a:ext>
+            </a:extLst>
+          </p:cNvPr>
+          <p:cNvPicPr>
+            <a:picLocks noChangeAspect="1"/>
+          </p:cNvPicPr>
+          <p:nvPr/>
+        </p:nvPicPr>
+        <p:blipFill>
+          <a:blip r:embed="rId2"/>
+          <a:stretch>
+            <a:fillRect/>
+          </a:stretch>
+        </p:blipFill>
+        <p:spPr>
+          <a:xfrm>
+            <a:off x="124926" y="61073"/>
+            <a:ext cx="969348" cy="1066892"/>
+          </a:xfrm>
+          <a:prstGeom prst="rect">
+            <a:avLst/>
+          </a:prstGeom>
+        </p:spPr>
+      </p:pic>
     </p:spTree>
     <p:extLst>
       <p:ext uri="{BB962C8B-B14F-4D97-AF65-F5344CB8AC3E}">
@@ -27485,6 +28105,36 @@
           </a:p>
         </p:txBody>
       </p:sp>
+      <p:pic>
+        <p:nvPicPr>
+          <p:cNvPr id="6" name="Picture 5">
+            <a:extLst>
+              <a:ext uri="{FF2B5EF4-FFF2-40B4-BE49-F238E27FC236}">
+                <a16:creationId xmlns:a16="http://schemas.microsoft.com/office/drawing/2014/main" id="{1DB82C27-F9BA-4C54-8250-0A7BABF3F157}"/>
+              </a:ext>
+            </a:extLst>
+          </p:cNvPr>
+          <p:cNvPicPr>
+            <a:picLocks noChangeAspect="1"/>
+          </p:cNvPicPr>
+          <p:nvPr/>
+        </p:nvPicPr>
+        <p:blipFill>
+          <a:blip r:embed="rId2"/>
+          <a:stretch>
+            <a:fillRect/>
+          </a:stretch>
+        </p:blipFill>
+        <p:spPr>
+          <a:xfrm>
+            <a:off x="76713" y="61073"/>
+            <a:ext cx="969348" cy="1066892"/>
+          </a:xfrm>
+          <a:prstGeom prst="rect">
+            <a:avLst/>
+          </a:prstGeom>
+        </p:spPr>
+      </p:pic>
     </p:spTree>
     <p:extLst>
       <p:ext uri="{BB962C8B-B14F-4D97-AF65-F5344CB8AC3E}">
@@ -27623,10 +28273,46 @@
           <a:bodyPr/>
           <a:lstStyle/>
           <a:p>
-            <a:endParaRPr lang="en-US"/>
+            <a:pPr marL="0" indent="0">
+              <a:buNone/>
+            </a:pPr>
+            <a:r>
+              <a:rPr lang="en-US" dirty="0"/>
+              <a:t>The app calculates basic risk measures </a:t>
+            </a:r>
           </a:p>
         </p:txBody>
       </p:sp>
+      <p:pic>
+        <p:nvPicPr>
+          <p:cNvPr id="6" name="Picture 5">
+            <a:extLst>
+              <a:ext uri="{FF2B5EF4-FFF2-40B4-BE49-F238E27FC236}">
+                <a16:creationId xmlns:a16="http://schemas.microsoft.com/office/drawing/2014/main" id="{38173E07-8BB9-43CE-B1BB-F68C4742EE04}"/>
+              </a:ext>
+            </a:extLst>
+          </p:cNvPr>
+          <p:cNvPicPr>
+            <a:picLocks noChangeAspect="1"/>
+          </p:cNvPicPr>
+          <p:nvPr/>
+        </p:nvPicPr>
+        <p:blipFill>
+          <a:blip r:embed="rId2"/>
+          <a:stretch>
+            <a:fillRect/>
+          </a:stretch>
+        </p:blipFill>
+        <p:spPr>
+          <a:xfrm>
+            <a:off x="109845" y="61073"/>
+            <a:ext cx="969348" cy="1066892"/>
+          </a:xfrm>
+          <a:prstGeom prst="rect">
+            <a:avLst/>
+          </a:prstGeom>
+        </p:spPr>
+      </p:pic>
     </p:spTree>
     <p:extLst>
       <p:ext uri="{BB962C8B-B14F-4D97-AF65-F5344CB8AC3E}">
@@ -27769,6 +28455,36 @@
           </a:p>
         </p:txBody>
       </p:sp>
+      <p:pic>
+        <p:nvPicPr>
+          <p:cNvPr id="6" name="Picture 5">
+            <a:extLst>
+              <a:ext uri="{FF2B5EF4-FFF2-40B4-BE49-F238E27FC236}">
+                <a16:creationId xmlns:a16="http://schemas.microsoft.com/office/drawing/2014/main" id="{66543059-C99F-43C8-85CE-096FD64E727F}"/>
+              </a:ext>
+            </a:extLst>
+          </p:cNvPr>
+          <p:cNvPicPr>
+            <a:picLocks noChangeAspect="1"/>
+          </p:cNvPicPr>
+          <p:nvPr/>
+        </p:nvPicPr>
+        <p:blipFill>
+          <a:blip r:embed="rId2"/>
+          <a:stretch>
+            <a:fillRect/>
+          </a:stretch>
+        </p:blipFill>
+        <p:spPr>
+          <a:xfrm>
+            <a:off x="109845" y="61073"/>
+            <a:ext cx="969348" cy="1066892"/>
+          </a:xfrm>
+          <a:prstGeom prst="rect">
+            <a:avLst/>
+          </a:prstGeom>
+        </p:spPr>
+      </p:pic>
     </p:spTree>
     <p:extLst>
       <p:ext uri="{BB962C8B-B14F-4D97-AF65-F5344CB8AC3E}">
@@ -27911,6 +28627,36 @@
           </a:p>
         </p:txBody>
       </p:sp>
+      <p:pic>
+        <p:nvPicPr>
+          <p:cNvPr id="6" name="Picture 5">
+            <a:extLst>
+              <a:ext uri="{FF2B5EF4-FFF2-40B4-BE49-F238E27FC236}">
+                <a16:creationId xmlns:a16="http://schemas.microsoft.com/office/drawing/2014/main" id="{D753ADF3-3991-497D-BFFF-B814207A6099}"/>
+              </a:ext>
+            </a:extLst>
+          </p:cNvPr>
+          <p:cNvPicPr>
+            <a:picLocks noChangeAspect="1"/>
+          </p:cNvPicPr>
+          <p:nvPr/>
+        </p:nvPicPr>
+        <p:blipFill>
+          <a:blip r:embed="rId2"/>
+          <a:stretch>
+            <a:fillRect/>
+          </a:stretch>
+        </p:blipFill>
+        <p:spPr>
+          <a:xfrm>
+            <a:off x="109845" y="61073"/>
+            <a:ext cx="969348" cy="1066892"/>
+          </a:xfrm>
+          <a:prstGeom prst="rect">
+            <a:avLst/>
+          </a:prstGeom>
+        </p:spPr>
+      </p:pic>
     </p:spTree>
     <p:extLst>
       <p:ext uri="{BB962C8B-B14F-4D97-AF65-F5344CB8AC3E}">
@@ -28716,15 +29462,6 @@
 </file>
 
 <file path=customXml/item1.xml><?xml version="1.0" encoding="utf-8"?>
-<?mso-contentType ?>
-<FormTemplates xmlns="http://schemas.microsoft.com/sharepoint/v3/contenttype/forms">
-  <Display>DocumentLibraryForm</Display>
-  <Edit>DocumentLibraryForm</Edit>
-  <New>DocumentLibraryForm</New>
-</FormTemplates>
-</file>
-
-<file path=customXml/item2.xml><?xml version="1.0" encoding="utf-8"?>
 <ct:contentTypeSchema xmlns:ct="http://schemas.microsoft.com/office/2006/metadata/contentType" xmlns:ma="http://schemas.microsoft.com/office/2006/metadata/properties/metaAttributes" ct:_="" ma:_="" ma:contentTypeName="Document" ma:contentTypeID="0x01010079F111ED35F8CC479449609E8A0923A6" ma:contentTypeVersion="11" ma:contentTypeDescription="Create a new document." ma:contentTypeScope="" ma:versionID="96291512c1ee715ab617f4c07df79fc1">
   <xsd:schema xmlns:xsd="http://www.w3.org/2001/XMLSchema" xmlns:xs="http://www.w3.org/2001/XMLSchema" xmlns:p="http://schemas.microsoft.com/office/2006/metadata/properties" xmlns:ns2="71af3243-3dd4-4a8d-8c0d-dd76da1f02a5" xmlns:ns3="16c05727-aa75-4e4a-9b5f-8a80a1165891" targetNamespace="http://schemas.microsoft.com/office/2006/metadata/properties" ma:root="true" ma:fieldsID="8256c27c40ca5c40ce1cf6c44f0205df" ns2:_="" ns3:_="">
     <xsd:import namespace="71af3243-3dd4-4a8d-8c0d-dd76da1f02a5"/>
@@ -28935,6 +29672,15 @@
 </ct:contentTypeSchema>
 </file>
 
+<file path=customXml/item2.xml><?xml version="1.0" encoding="utf-8"?>
+<?mso-contentType ?>
+<FormTemplates xmlns="http://schemas.microsoft.com/sharepoint/v3/contenttype/forms">
+  <Display>DocumentLibraryForm</Display>
+  <Edit>DocumentLibraryForm</Edit>
+  <New>DocumentLibraryForm</New>
+</FormTemplates>
+</file>
+
 <file path=customXml/item3.xml><?xml version="1.0" encoding="utf-8"?>
 <p:properties xmlns:p="http://schemas.microsoft.com/office/2006/metadata/properties" xmlns:xsi="http://www.w3.org/2001/XMLSchema-instance" xmlns:pc="http://schemas.microsoft.com/office/infopath/2007/PartnerControls">
   <documentManagement>
@@ -28944,14 +29690,6 @@
 </file>
 
 <file path=customXml/itemProps1.xml><?xml version="1.0" encoding="utf-8"?>
-<ds:datastoreItem xmlns:ds="http://schemas.openxmlformats.org/officeDocument/2006/customXml" ds:itemID="{D27BEDAB-01B4-4BD0-9390-31AD9280078C}">
-  <ds:schemaRefs>
-    <ds:schemaRef ds:uri="http://schemas.microsoft.com/sharepoint/v3/contenttype/forms"/>
-  </ds:schemaRefs>
-</ds:datastoreItem>
-</file>
-
-<file path=customXml/itemProps2.xml><?xml version="1.0" encoding="utf-8"?>
 <ds:datastoreItem xmlns:ds="http://schemas.openxmlformats.org/officeDocument/2006/customXml" ds:itemID="{6AD934DA-6EDB-4DB8-AE5C-9399A13698D6}">
   <ds:schemaRefs>
     <ds:schemaRef ds:uri="http://schemas.microsoft.com/office/2006/metadata/contentType"/>
@@ -28970,6 +29708,14 @@
 </ds:datastoreItem>
 </file>
 
+<file path=customXml/itemProps2.xml><?xml version="1.0" encoding="utf-8"?>
+<ds:datastoreItem xmlns:ds="http://schemas.openxmlformats.org/officeDocument/2006/customXml" ds:itemID="{D27BEDAB-01B4-4BD0-9390-31AD9280078C}">
+  <ds:schemaRefs>
+    <ds:schemaRef ds:uri="http://schemas.microsoft.com/sharepoint/v3/contenttype/forms"/>
+  </ds:schemaRefs>
+</ds:datastoreItem>
+</file>
+
 <file path=customXml/itemProps3.xml><?xml version="1.0" encoding="utf-8"?>
 <ds:datastoreItem xmlns:ds="http://schemas.openxmlformats.org/officeDocument/2006/customXml" ds:itemID="{9B19B998-C0F0-415C-AF4D-F10DCCD30A25}">
   <ds:schemaRefs>

--- a/Project 1 presentation.pptx
+++ b/Project 1 presentation.pptx
@@ -5,34 +5,35 @@
     <p:sldMasterId id="2147483648" r:id="rId4"/>
   </p:sldMasterIdLst>
   <p:notesMasterIdLst>
-    <p:notesMasterId r:id="rId27"/>
+    <p:notesMasterId r:id="rId28"/>
   </p:notesMasterIdLst>
   <p:handoutMasterIdLst>
-    <p:handoutMasterId r:id="rId28"/>
+    <p:handoutMasterId r:id="rId29"/>
   </p:handoutMasterIdLst>
   <p:sldIdLst>
     <p:sldId id="256" r:id="rId5"/>
     <p:sldId id="2434" r:id="rId6"/>
-    <p:sldId id="2444" r:id="rId7"/>
-    <p:sldId id="2450" r:id="rId8"/>
+    <p:sldId id="2450" r:id="rId7"/>
+    <p:sldId id="2444" r:id="rId8"/>
     <p:sldId id="2452" r:id="rId9"/>
     <p:sldId id="2445" r:id="rId10"/>
-    <p:sldId id="2446" r:id="rId11"/>
-    <p:sldId id="2447" r:id="rId12"/>
-    <p:sldId id="2448" r:id="rId13"/>
-    <p:sldId id="2449" r:id="rId14"/>
-    <p:sldId id="2454" r:id="rId15"/>
-    <p:sldId id="2451" r:id="rId16"/>
-    <p:sldId id="2439" r:id="rId17"/>
-    <p:sldId id="2440" r:id="rId18"/>
-    <p:sldId id="260" r:id="rId19"/>
-    <p:sldId id="2453" r:id="rId20"/>
-    <p:sldId id="258" r:id="rId21"/>
-    <p:sldId id="2432" r:id="rId22"/>
-    <p:sldId id="2433" r:id="rId23"/>
-    <p:sldId id="2438" r:id="rId24"/>
-    <p:sldId id="2441" r:id="rId25"/>
-    <p:sldId id="2442" r:id="rId26"/>
+    <p:sldId id="2455" r:id="rId11"/>
+    <p:sldId id="2446" r:id="rId12"/>
+    <p:sldId id="2447" r:id="rId13"/>
+    <p:sldId id="2448" r:id="rId14"/>
+    <p:sldId id="2449" r:id="rId15"/>
+    <p:sldId id="2454" r:id="rId16"/>
+    <p:sldId id="2451" r:id="rId17"/>
+    <p:sldId id="2439" r:id="rId18"/>
+    <p:sldId id="2440" r:id="rId19"/>
+    <p:sldId id="260" r:id="rId20"/>
+    <p:sldId id="2453" r:id="rId21"/>
+    <p:sldId id="258" r:id="rId22"/>
+    <p:sldId id="2432" r:id="rId23"/>
+    <p:sldId id="2433" r:id="rId24"/>
+    <p:sldId id="2438" r:id="rId25"/>
+    <p:sldId id="2441" r:id="rId26"/>
+    <p:sldId id="2442" r:id="rId27"/>
   </p:sldIdLst>
   <p:sldSz cx="12192000" cy="6858000"/>
   <p:notesSz cx="6858000" cy="9144000"/>
@@ -1367,7 +1368,7 @@
           <a:p>
             <a:fld id="{D1CB9CF0-A540-4793-A5F3-F4917CFDDCB6}" type="datetimeFigureOut">
               <a:rPr lang="en-US" smtClean="0"/>
-              <a:t>2/9/2022</a:t>
+              <a:t>2/11/2022</a:t>
             </a:fld>
             <a:endParaRPr lang="en-US" dirty="0"/>
           </a:p>
@@ -1544,7 +1545,7 @@
           <a:p>
             <a:fld id="{EDA03753-A5BE-4D79-AEA9-C0A65A6F8851}" type="datetimeFigureOut">
               <a:rPr lang="en-US" smtClean="0"/>
-              <a:t>2/9/2022</a:t>
+              <a:t>2/11/2022</a:t>
             </a:fld>
             <a:endParaRPr lang="en-US" dirty="0"/>
           </a:p>
@@ -17609,7 +17610,7 @@
           <a:p>
             <a:r>
               <a:rPr lang="en-US" dirty="0"/>
-              <a:t>SAMPLE Data</a:t>
+              <a:t>Sample Data</a:t>
             </a:r>
           </a:p>
         </p:txBody>
@@ -17698,6 +17699,178 @@
           </a:p>
         </p:txBody>
       </p:sp>
+      <p:pic>
+        <p:nvPicPr>
+          <p:cNvPr id="6" name="Picture 5">
+            <a:extLst>
+              <a:ext uri="{FF2B5EF4-FFF2-40B4-BE49-F238E27FC236}">
+                <a16:creationId xmlns:a16="http://schemas.microsoft.com/office/drawing/2014/main" id="{D753ADF3-3991-497D-BFFF-B814207A6099}"/>
+              </a:ext>
+            </a:extLst>
+          </p:cNvPr>
+          <p:cNvPicPr>
+            <a:picLocks noChangeAspect="1"/>
+          </p:cNvPicPr>
+          <p:nvPr/>
+        </p:nvPicPr>
+        <p:blipFill>
+          <a:blip r:embed="rId2"/>
+          <a:stretch>
+            <a:fillRect/>
+          </a:stretch>
+        </p:blipFill>
+        <p:spPr>
+          <a:xfrm>
+            <a:off x="109845" y="61073"/>
+            <a:ext cx="969348" cy="1066892"/>
+          </a:xfrm>
+          <a:prstGeom prst="rect">
+            <a:avLst/>
+          </a:prstGeom>
+        </p:spPr>
+      </p:pic>
+    </p:spTree>
+    <p:extLst>
+      <p:ext uri="{BB962C8B-B14F-4D97-AF65-F5344CB8AC3E}">
+        <p14:creationId xmlns:p14="http://schemas.microsoft.com/office/powerpoint/2010/main" val="3305955585"/>
+      </p:ext>
+    </p:extLst>
+  </p:cSld>
+  <p:clrMapOvr>
+    <a:masterClrMapping/>
+  </p:clrMapOvr>
+</p:sld>
+</file>
+
+<file path=ppt/slides/slide11.xml><?xml version="1.0" encoding="utf-8"?>
+<p:sld xmlns:a="http://schemas.openxmlformats.org/drawingml/2006/main" xmlns:r="http://schemas.openxmlformats.org/officeDocument/2006/relationships" xmlns:p="http://schemas.openxmlformats.org/presentationml/2006/main">
+  <p:cSld>
+    <p:spTree>
+      <p:nvGrpSpPr>
+        <p:cNvPr id="1" name=""/>
+        <p:cNvGrpSpPr/>
+        <p:nvPr/>
+      </p:nvGrpSpPr>
+      <p:grpSpPr>
+        <a:xfrm>
+          <a:off x="0" y="0"/>
+          <a:ext cx="0" cy="0"/>
+          <a:chOff x="0" y="0"/>
+          <a:chExt cx="0" cy="0"/>
+        </a:xfrm>
+      </p:grpSpPr>
+      <p:sp>
+        <p:nvSpPr>
+          <p:cNvPr id="2" name="Title 1">
+            <a:extLst>
+              <a:ext uri="{FF2B5EF4-FFF2-40B4-BE49-F238E27FC236}">
+                <a16:creationId xmlns:a16="http://schemas.microsoft.com/office/drawing/2014/main" id="{8F1D5BE7-C36F-4E21-A63C-E9B442D1114F}"/>
+              </a:ext>
+            </a:extLst>
+          </p:cNvPr>
+          <p:cNvSpPr>
+            <a:spLocks noGrp="1"/>
+          </p:cNvSpPr>
+          <p:nvPr>
+            <p:ph type="title"/>
+          </p:nvPr>
+        </p:nvSpPr>
+        <p:spPr/>
+        <p:txBody>
+          <a:bodyPr/>
+          <a:lstStyle/>
+          <a:p>
+            <a:r>
+              <a:rPr lang="en-US" dirty="0"/>
+              <a:t>SAMPLE Data</a:t>
+            </a:r>
+          </a:p>
+        </p:txBody>
+      </p:sp>
+      <p:sp>
+        <p:nvSpPr>
+          <p:cNvPr id="3" name="Footer Placeholder 2">
+            <a:extLst>
+              <a:ext uri="{FF2B5EF4-FFF2-40B4-BE49-F238E27FC236}">
+                <a16:creationId xmlns:a16="http://schemas.microsoft.com/office/drawing/2014/main" id="{B7C20DAC-9DB6-4515-971B-9D850CF7815D}"/>
+              </a:ext>
+            </a:extLst>
+          </p:cNvPr>
+          <p:cNvSpPr>
+            <a:spLocks noGrp="1"/>
+          </p:cNvSpPr>
+          <p:nvPr>
+            <p:ph type="ftr" sz="quarter" idx="10"/>
+          </p:nvPr>
+        </p:nvSpPr>
+        <p:spPr/>
+        <p:txBody>
+          <a:bodyPr/>
+          <a:lstStyle/>
+          <a:p>
+            <a:r>
+              <a:rPr lang="en-US"/>
+              <a:t>Add a Footer</a:t>
+            </a:r>
+            <a:endParaRPr lang="en-US" dirty="0"/>
+          </a:p>
+        </p:txBody>
+      </p:sp>
+      <p:sp>
+        <p:nvSpPr>
+          <p:cNvPr id="4" name="Slide Number Placeholder 3">
+            <a:extLst>
+              <a:ext uri="{FF2B5EF4-FFF2-40B4-BE49-F238E27FC236}">
+                <a16:creationId xmlns:a16="http://schemas.microsoft.com/office/drawing/2014/main" id="{C94957B4-5AE9-4220-87B6-BBB66AC0E59C}"/>
+              </a:ext>
+            </a:extLst>
+          </p:cNvPr>
+          <p:cNvSpPr>
+            <a:spLocks noGrp="1"/>
+          </p:cNvSpPr>
+          <p:nvPr>
+            <p:ph type="sldNum" sz="quarter" idx="11"/>
+          </p:nvPr>
+        </p:nvSpPr>
+        <p:spPr/>
+        <p:txBody>
+          <a:bodyPr/>
+          <a:lstStyle/>
+          <a:p>
+            <a:fld id="{8C2E478F-E849-4A8C-AF1F-CBCC78A7CBFA}" type="slidenum">
+              <a:rPr lang="en-US" smtClean="0"/>
+              <a:pPr/>
+              <a:t>11</a:t>
+            </a:fld>
+            <a:endParaRPr lang="en-US" dirty="0"/>
+          </a:p>
+        </p:txBody>
+      </p:sp>
+      <p:sp>
+        <p:nvSpPr>
+          <p:cNvPr id="5" name="Content Placeholder 4">
+            <a:extLst>
+              <a:ext uri="{FF2B5EF4-FFF2-40B4-BE49-F238E27FC236}">
+                <a16:creationId xmlns:a16="http://schemas.microsoft.com/office/drawing/2014/main" id="{E742D916-2B17-43E6-8709-D29220B8204C}"/>
+              </a:ext>
+            </a:extLst>
+          </p:cNvPr>
+          <p:cNvSpPr>
+            <a:spLocks noGrp="1"/>
+          </p:cNvSpPr>
+          <p:nvPr>
+            <p:ph idx="1"/>
+          </p:nvPr>
+        </p:nvSpPr>
+        <p:spPr/>
+        <p:txBody>
+          <a:bodyPr/>
+          <a:lstStyle/>
+          <a:p>
+            <a:endParaRPr lang="en-US"/>
+          </a:p>
+        </p:txBody>
+      </p:sp>
     </p:spTree>
     <p:extLst>
       <p:ext uri="{BB962C8B-B14F-4D97-AF65-F5344CB8AC3E}">
@@ -17711,7 +17884,7 @@
 </p:sld>
 </file>
 
-<file path=ppt/slides/slide11.xml><?xml version="1.0" encoding="utf-8"?>
+<file path=ppt/slides/slide12.xml><?xml version="1.0" encoding="utf-8"?>
 <p:sld xmlns:a="http://schemas.openxmlformats.org/drawingml/2006/main" xmlns:r="http://schemas.openxmlformats.org/officeDocument/2006/relationships" xmlns:p="http://schemas.openxmlformats.org/presentationml/2006/main">
   <p:cSld>
     <p:spTree>
@@ -17752,7 +17925,7 @@
             <a:fld id="{8C2E478F-E849-4A8C-AF1F-CBCC78A7CBFA}" type="slidenum">
               <a:rPr lang="en-US" smtClean="0"/>
               <a:pPr/>
-              <a:t>11</a:t>
+              <a:t>12</a:t>
             </a:fld>
             <a:endParaRPr lang="en-US" dirty="0"/>
           </a:p>
@@ -17889,7 +18062,7 @@
 </p:sld>
 </file>
 
-<file path=ppt/slides/slide12.xml><?xml version="1.0" encoding="utf-8"?>
+<file path=ppt/slides/slide13.xml><?xml version="1.0" encoding="utf-8"?>
 <p:sld xmlns:a="http://schemas.openxmlformats.org/drawingml/2006/main" xmlns:r="http://schemas.openxmlformats.org/officeDocument/2006/relationships" xmlns:p="http://schemas.openxmlformats.org/presentationml/2006/main">
   <p:cSld>
     <p:spTree>
@@ -17987,7 +18160,7 @@
             <a:fld id="{8C2E478F-E849-4A8C-AF1F-CBCC78A7CBFA}" type="slidenum">
               <a:rPr lang="en-US" smtClean="0"/>
               <a:pPr/>
-              <a:t>12</a:t>
+              <a:t>13</a:t>
             </a:fld>
             <a:endParaRPr lang="en-US" dirty="0"/>
           </a:p>
@@ -18031,7 +18204,7 @@
 </p:sld>
 </file>
 
-<file path=ppt/slides/slide13.xml><?xml version="1.0" encoding="utf-8"?>
+<file path=ppt/slides/slide14.xml><?xml version="1.0" encoding="utf-8"?>
 <p:sld xmlns:a="http://schemas.openxmlformats.org/drawingml/2006/main" xmlns:r="http://schemas.openxmlformats.org/officeDocument/2006/relationships" xmlns:p="http://schemas.openxmlformats.org/presentationml/2006/main">
   <p:cSld>
     <p:spTree>
@@ -18986,7 +19159,7 @@
             <a:fld id="{8C2E478F-E849-4A8C-AF1F-CBCC78A7CBFA}" type="slidenum">
               <a:rPr lang="en-US" smtClean="0"/>
               <a:pPr/>
-              <a:t>13</a:t>
+              <a:t>14</a:t>
             </a:fld>
             <a:endParaRPr lang="en-US" dirty="0"/>
           </a:p>
@@ -19005,7 +19178,7 @@
 </p:sld>
 </file>
 
-<file path=ppt/slides/slide14.xml><?xml version="1.0" encoding="utf-8"?>
+<file path=ppt/slides/slide15.xml><?xml version="1.0" encoding="utf-8"?>
 <p:sld xmlns:a="http://schemas.openxmlformats.org/drawingml/2006/main" xmlns:r="http://schemas.openxmlformats.org/officeDocument/2006/relationships" xmlns:p="http://schemas.openxmlformats.org/presentationml/2006/main">
   <p:cSld>
     <p:spTree>
@@ -20500,7 +20673,7 @@
             <a:fld id="{8C2E478F-E849-4A8C-AF1F-CBCC78A7CBFA}" type="slidenum">
               <a:rPr lang="en-US" smtClean="0"/>
               <a:pPr/>
-              <a:t>14</a:t>
+              <a:t>15</a:t>
             </a:fld>
             <a:endParaRPr lang="en-US" dirty="0"/>
           </a:p>
@@ -20519,7 +20692,7 @@
 </p:sld>
 </file>
 
-<file path=ppt/slides/slide15.xml><?xml version="1.0" encoding="utf-8"?>
+<file path=ppt/slides/slide16.xml><?xml version="1.0" encoding="utf-8"?>
 <p:sld xmlns:a="http://schemas.openxmlformats.org/drawingml/2006/main" xmlns:r="http://schemas.openxmlformats.org/officeDocument/2006/relationships" xmlns:p="http://schemas.openxmlformats.org/presentationml/2006/main">
   <p:cSld>
     <p:spTree>
@@ -21175,7 +21348,7 @@
             <a:fld id="{8C2E478F-E849-4A8C-AF1F-CBCC78A7CBFA}" type="slidenum">
               <a:rPr lang="en-US" smtClean="0"/>
               <a:pPr/>
-              <a:t>15</a:t>
+              <a:t>16</a:t>
             </a:fld>
             <a:endParaRPr lang="en-US" dirty="0"/>
           </a:p>
@@ -21194,7 +21367,7 @@
 </p:sld>
 </file>
 
-<file path=ppt/slides/slide16.xml><?xml version="1.0" encoding="utf-8"?>
+<file path=ppt/slides/slide17.xml><?xml version="1.0" encoding="utf-8"?>
 <p:sld xmlns:a="http://schemas.openxmlformats.org/drawingml/2006/main" xmlns:r="http://schemas.openxmlformats.org/officeDocument/2006/relationships" xmlns:p="http://schemas.openxmlformats.org/presentationml/2006/main">
   <p:cSld>
     <p:spTree>
@@ -21906,7 +22079,7 @@
             <a:fld id="{8C2E478F-E849-4A8C-AF1F-CBCC78A7CBFA}" type="slidenum">
               <a:rPr lang="en-US" smtClean="0"/>
               <a:pPr/>
-              <a:t>16</a:t>
+              <a:t>17</a:t>
             </a:fld>
             <a:endParaRPr lang="en-US" dirty="0"/>
           </a:p>
@@ -21925,7 +22098,7 @@
 </p:sld>
 </file>
 
-<file path=ppt/slides/slide17.xml><?xml version="1.0" encoding="utf-8"?>
+<file path=ppt/slides/slide18.xml><?xml version="1.0" encoding="utf-8"?>
 <p:sld xmlns:a="http://schemas.openxmlformats.org/drawingml/2006/main" xmlns:r="http://schemas.openxmlformats.org/officeDocument/2006/relationships" xmlns:p="http://schemas.openxmlformats.org/presentationml/2006/main">
   <p:cSld>
     <p:spTree>
@@ -22189,7 +22362,7 @@
             <a:fld id="{8C2E478F-E849-4A8C-AF1F-CBCC78A7CBFA}" type="slidenum">
               <a:rPr lang="en-US" smtClean="0"/>
               <a:pPr/>
-              <a:t>17</a:t>
+              <a:t>18</a:t>
             </a:fld>
             <a:endParaRPr lang="en-US" dirty="0"/>
           </a:p>
@@ -22208,7 +22381,7 @@
 </p:sld>
 </file>
 
-<file path=ppt/slides/slide18.xml><?xml version="1.0" encoding="utf-8"?>
+<file path=ppt/slides/slide19.xml><?xml version="1.0" encoding="utf-8"?>
 <p:sld xmlns:a="http://schemas.openxmlformats.org/drawingml/2006/main" xmlns:r="http://schemas.openxmlformats.org/officeDocument/2006/relationships" xmlns:p="http://schemas.openxmlformats.org/presentationml/2006/main">
   <p:cSld>
     <p:spTree>
@@ -22397,7 +22570,7 @@
             <a:fld id="{8C2E478F-E849-4A8C-AF1F-CBCC78A7CBFA}" type="slidenum">
               <a:rPr lang="en-US" smtClean="0"/>
               <a:pPr/>
-              <a:t>18</a:t>
+              <a:t>19</a:t>
             </a:fld>
             <a:endParaRPr lang="en-US" dirty="0"/>
           </a:p>
@@ -22416,7 +22589,779 @@
 </p:sld>
 </file>
 
-<file path=ppt/slides/slide19.xml><?xml version="1.0" encoding="utf-8"?>
+<file path=ppt/slides/slide2.xml><?xml version="1.0" encoding="utf-8"?>
+<p:sld xmlns:a="http://schemas.openxmlformats.org/drawingml/2006/main" xmlns:r="http://schemas.openxmlformats.org/officeDocument/2006/relationships" xmlns:p="http://schemas.openxmlformats.org/presentationml/2006/main">
+  <p:cSld>
+    <p:spTree>
+      <p:nvGrpSpPr>
+        <p:cNvPr id="1" name=""/>
+        <p:cNvGrpSpPr/>
+        <p:nvPr/>
+      </p:nvGrpSpPr>
+      <p:grpSpPr>
+        <a:xfrm>
+          <a:off x="0" y="0"/>
+          <a:ext cx="0" cy="0"/>
+          <a:chOff x="0" y="0"/>
+          <a:chExt cx="0" cy="0"/>
+        </a:xfrm>
+      </p:grpSpPr>
+      <p:pic>
+        <p:nvPicPr>
+          <p:cNvPr id="6" name="Picture Placeholder 5" descr="City Scape" title="City Scape">
+            <a:extLst>
+              <a:ext uri="{FF2B5EF4-FFF2-40B4-BE49-F238E27FC236}">
+                <a16:creationId xmlns:a16="http://schemas.microsoft.com/office/drawing/2014/main" id="{5E06080F-9F80-49D4-9D28-F3FD457E4278}"/>
+              </a:ext>
+            </a:extLst>
+          </p:cNvPr>
+          <p:cNvPicPr>
+            <a:picLocks noGrp="1" noChangeAspect="1"/>
+          </p:cNvPicPr>
+          <p:nvPr>
+            <p:ph type="pic" sz="quarter" idx="15"/>
+          </p:nvPr>
+        </p:nvPicPr>
+        <p:blipFill>
+          <a:blip r:embed="rId2">
+            <a:extLst>
+              <a:ext uri="{BEBA8EAE-BF5A-486C-A8C5-ECC9F3942E4B}">
+                <a14:imgProps xmlns:a14="http://schemas.microsoft.com/office/drawing/2010/main">
+                  <a14:imgLayer r:embed="rId3">
+                    <a14:imgEffect>
+                      <a14:brightnessContrast bright="-25000" contrast="18000"/>
+                    </a14:imgEffect>
+                  </a14:imgLayer>
+                </a14:imgProps>
+              </a:ext>
+              <a:ext uri="{28A0092B-C50C-407E-A947-70E740481C1C}">
+                <a14:useLocalDpi xmlns:a14="http://schemas.microsoft.com/office/drawing/2010/main" val="0"/>
+              </a:ext>
+            </a:extLst>
+          </a:blip>
+          <a:srcRect/>
+          <a:stretch>
+            <a:fillRect/>
+          </a:stretch>
+        </p:blipFill>
+        <p:spPr/>
+      </p:pic>
+      <p:grpSp>
+        <p:nvGrpSpPr>
+          <p:cNvPr id="31" name="Group 30">
+            <a:extLst>
+              <a:ext uri="{FF2B5EF4-FFF2-40B4-BE49-F238E27FC236}">
+                <a16:creationId xmlns:a16="http://schemas.microsoft.com/office/drawing/2014/main" id="{CDA17D7C-7C63-439C-8B50-C9B0F0F9AAF7}"/>
+              </a:ext>
+              <a:ext uri="{C183D7F6-B498-43B3-948B-1728B52AA6E4}">
+                <adec:decorative xmlns:adec="http://schemas.microsoft.com/office/drawing/2017/decorative" val="1"/>
+              </a:ext>
+            </a:extLst>
+          </p:cNvPr>
+          <p:cNvGrpSpPr/>
+          <p:nvPr/>
+        </p:nvGrpSpPr>
+        <p:grpSpPr>
+          <a:xfrm flipH="1">
+            <a:off x="4115984" y="252563"/>
+            <a:ext cx="7433283" cy="5995838"/>
+            <a:chOff x="252031" y="391887"/>
+            <a:chExt cx="7433283" cy="6215741"/>
+          </a:xfrm>
+        </p:grpSpPr>
+        <p:sp>
+          <p:nvSpPr>
+            <p:cNvPr id="32" name="Rectangle 31">
+              <a:extLst>
+                <a:ext uri="{FF2B5EF4-FFF2-40B4-BE49-F238E27FC236}">
+                  <a16:creationId xmlns:a16="http://schemas.microsoft.com/office/drawing/2014/main" id="{32FD79E9-DA87-4AE3-AB4F-454E8B1C7E28}"/>
+                </a:ext>
+              </a:extLst>
+            </p:cNvPr>
+            <p:cNvSpPr/>
+            <p:nvPr userDrawn="1"/>
+          </p:nvSpPr>
+          <p:spPr>
+            <a:xfrm>
+              <a:off x="609600" y="391887"/>
+              <a:ext cx="7075714" cy="5878284"/>
+            </a:xfrm>
+            <a:prstGeom prst="rect">
+              <a:avLst/>
+            </a:prstGeom>
+            <a:noFill/>
+            <a:ln w="127000">
+              <a:solidFill>
+                <a:schemeClr val="accent3"/>
+              </a:solidFill>
+            </a:ln>
+          </p:spPr>
+          <p:style>
+            <a:lnRef idx="2">
+              <a:schemeClr val="accent1">
+                <a:shade val="50000"/>
+              </a:schemeClr>
+            </a:lnRef>
+            <a:fillRef idx="1">
+              <a:schemeClr val="accent1"/>
+            </a:fillRef>
+            <a:effectRef idx="0">
+              <a:schemeClr val="accent1"/>
+            </a:effectRef>
+            <a:fontRef idx="minor">
+              <a:schemeClr val="lt1"/>
+            </a:fontRef>
+          </p:style>
+          <p:txBody>
+            <a:bodyPr rtlCol="0" anchor="ctr"/>
+            <a:lstStyle/>
+            <a:p>
+              <a:pPr algn="ctr"/>
+              <a:endParaRPr lang="en-US" dirty="0"/>
+            </a:p>
+          </p:txBody>
+        </p:sp>
+        <p:sp>
+          <p:nvSpPr>
+            <p:cNvPr id="33" name="Rectangle 32">
+              <a:extLst>
+                <a:ext uri="{FF2B5EF4-FFF2-40B4-BE49-F238E27FC236}">
+                  <a16:creationId xmlns:a16="http://schemas.microsoft.com/office/drawing/2014/main" id="{C0DB13C1-B4FB-4D33-A199-5BB34983AB47}"/>
+                </a:ext>
+              </a:extLst>
+            </p:cNvPr>
+            <p:cNvSpPr/>
+            <p:nvPr userDrawn="1"/>
+          </p:nvSpPr>
+          <p:spPr>
+            <a:xfrm>
+              <a:off x="979713" y="1181214"/>
+              <a:ext cx="6117771" cy="5426414"/>
+            </a:xfrm>
+            <a:prstGeom prst="rect">
+              <a:avLst/>
+            </a:prstGeom>
+            <a:gradFill>
+              <a:gsLst>
+                <a:gs pos="0">
+                  <a:srgbClr val="038B30">
+                    <a:alpha val="70000"/>
+                  </a:srgbClr>
+                </a:gs>
+                <a:gs pos="100000">
+                  <a:srgbClr val="C0F400">
+                    <a:alpha val="70000"/>
+                  </a:srgbClr>
+                </a:gs>
+                <a:gs pos="50000">
+                  <a:srgbClr val="05EE55">
+                    <a:alpha val="70000"/>
+                  </a:srgbClr>
+                </a:gs>
+              </a:gsLst>
+              <a:lin ang="16200000" scaled="1"/>
+            </a:gradFill>
+            <a:ln>
+              <a:noFill/>
+            </a:ln>
+          </p:spPr>
+          <p:style>
+            <a:lnRef idx="2">
+              <a:schemeClr val="accent1">
+                <a:shade val="50000"/>
+              </a:schemeClr>
+            </a:lnRef>
+            <a:fillRef idx="1">
+              <a:schemeClr val="accent1"/>
+            </a:fillRef>
+            <a:effectRef idx="0">
+              <a:schemeClr val="accent1"/>
+            </a:effectRef>
+            <a:fontRef idx="minor">
+              <a:schemeClr val="lt1"/>
+            </a:fontRef>
+          </p:style>
+          <p:txBody>
+            <a:bodyPr rtlCol="0" anchor="ctr"/>
+            <a:lstStyle/>
+            <a:p>
+              <a:pPr algn="ctr"/>
+              <a:r>
+                <a:rPr lang="en-US" dirty="0"/>
+                <a:t>2</a:t>
+              </a:r>
+            </a:p>
+            <a:p>
+              <a:pPr algn="ctr"/>
+              <a:endParaRPr lang="en-US" dirty="0"/>
+            </a:p>
+            <a:p>
+              <a:pPr algn="ctr"/>
+              <a:endParaRPr lang="en-US" dirty="0"/>
+            </a:p>
+            <a:p>
+              <a:pPr algn="ctr"/>
+              <a:endParaRPr lang="en-US" dirty="0"/>
+            </a:p>
+            <a:p>
+              <a:pPr algn="ctr"/>
+              <a:endParaRPr lang="en-US" dirty="0"/>
+            </a:p>
+            <a:p>
+              <a:pPr algn="ctr"/>
+              <a:endParaRPr lang="en-US" dirty="0"/>
+            </a:p>
+            <a:p>
+              <a:pPr algn="ctr"/>
+              <a:endParaRPr lang="en-US" dirty="0"/>
+            </a:p>
+            <a:p>
+              <a:pPr algn="ctr"/>
+              <a:endParaRPr lang="en-US" dirty="0"/>
+            </a:p>
+            <a:p>
+              <a:pPr algn="ctr"/>
+              <a:endParaRPr lang="en-US" dirty="0"/>
+            </a:p>
+            <a:p>
+              <a:pPr algn="ctr"/>
+              <a:endParaRPr lang="en-US" dirty="0"/>
+            </a:p>
+            <a:p>
+              <a:pPr algn="ctr"/>
+              <a:endParaRPr lang="en-US" dirty="0"/>
+            </a:p>
+            <a:p>
+              <a:pPr algn="ctr"/>
+              <a:endParaRPr lang="en-US" dirty="0"/>
+            </a:p>
+            <a:p>
+              <a:pPr algn="ctr"/>
+              <a:endParaRPr lang="en-US" dirty="0"/>
+            </a:p>
+            <a:p>
+              <a:pPr algn="ctr"/>
+              <a:endParaRPr lang="en-US" dirty="0"/>
+            </a:p>
+            <a:p>
+              <a:pPr algn="ctr"/>
+              <a:endParaRPr lang="en-US" dirty="0"/>
+            </a:p>
+            <a:p>
+              <a:pPr algn="ctr"/>
+              <a:endParaRPr lang="en-US" dirty="0"/>
+            </a:p>
+            <a:p>
+              <a:pPr algn="ctr"/>
+              <a:endParaRPr lang="en-US" dirty="0"/>
+            </a:p>
+            <a:p>
+              <a:pPr algn="ctr"/>
+              <a:endParaRPr lang="en-US" dirty="0"/>
+            </a:p>
+            <a:p>
+              <a:pPr algn="ctr"/>
+              <a:endParaRPr lang="en-US" dirty="0"/>
+            </a:p>
+            <a:p>
+              <a:pPr algn="ctr"/>
+              <a:endParaRPr lang="en-US" dirty="0"/>
+            </a:p>
+            <a:p>
+              <a:pPr algn="ctr"/>
+              <a:endParaRPr lang="en-US" dirty="0"/>
+            </a:p>
+            <a:p>
+              <a:pPr algn="ctr"/>
+              <a:endParaRPr lang="en-US" dirty="0"/>
+            </a:p>
+            <a:p>
+              <a:pPr algn="ctr"/>
+              <a:endParaRPr lang="en-US" dirty="0"/>
+            </a:p>
+            <a:p>
+              <a:pPr algn="ctr"/>
+              <a:endParaRPr lang="en-US" dirty="0"/>
+            </a:p>
+            <a:p>
+              <a:pPr algn="ctr"/>
+              <a:endParaRPr lang="en-US" dirty="0"/>
+            </a:p>
+            <a:p>
+              <a:pPr algn="ctr"/>
+              <a:endParaRPr lang="en-US" dirty="0"/>
+            </a:p>
+            <a:p>
+              <a:pPr algn="ctr"/>
+              <a:endParaRPr lang="en-US" dirty="0"/>
+            </a:p>
+            <a:p>
+              <a:pPr algn="ctr"/>
+              <a:endParaRPr lang="en-US" dirty="0"/>
+            </a:p>
+            <a:p>
+              <a:pPr algn="ctr"/>
+              <a:endParaRPr lang="en-US" dirty="0"/>
+            </a:p>
+            <a:p>
+              <a:pPr algn="ctr"/>
+              <a:endParaRPr lang="en-US" dirty="0"/>
+            </a:p>
+            <a:p>
+              <a:pPr algn="ctr"/>
+              <a:endParaRPr lang="en-US" dirty="0"/>
+            </a:p>
+            <a:p>
+              <a:pPr algn="ctr"/>
+              <a:endParaRPr lang="en-US" dirty="0"/>
+            </a:p>
+            <a:p>
+              <a:pPr algn="ctr"/>
+              <a:endParaRPr lang="en-US" dirty="0"/>
+            </a:p>
+            <a:p>
+              <a:pPr algn="ctr"/>
+              <a:endParaRPr lang="en-US" dirty="0"/>
+            </a:p>
+            <a:p>
+              <a:pPr algn="ctr"/>
+              <a:endParaRPr lang="en-US" dirty="0"/>
+            </a:p>
+            <a:p>
+              <a:pPr algn="ctr"/>
+              <a:endParaRPr lang="en-US" dirty="0"/>
+            </a:p>
+            <a:p>
+              <a:pPr algn="ctr"/>
+              <a:endParaRPr lang="en-US" dirty="0"/>
+            </a:p>
+            <a:p>
+              <a:pPr algn="ctr"/>
+              <a:endParaRPr lang="en-US" dirty="0"/>
+            </a:p>
+            <a:p>
+              <a:pPr algn="ctr"/>
+              <a:endParaRPr lang="en-US" dirty="0"/>
+            </a:p>
+            <a:p>
+              <a:pPr algn="ctr"/>
+              <a:endParaRPr lang="en-US" dirty="0"/>
+            </a:p>
+            <a:p>
+              <a:pPr algn="ctr"/>
+              <a:endParaRPr lang="en-US" dirty="0"/>
+            </a:p>
+            <a:p>
+              <a:pPr algn="ctr"/>
+              <a:endParaRPr lang="en-US" dirty="0"/>
+            </a:p>
+            <a:p>
+              <a:pPr algn="ctr"/>
+              <a:endParaRPr lang="en-US" dirty="0"/>
+            </a:p>
+            <a:p>
+              <a:pPr algn="ctr"/>
+              <a:endParaRPr lang="en-US" dirty="0"/>
+            </a:p>
+            <a:p>
+              <a:pPr algn="ctr"/>
+              <a:endParaRPr lang="en-US" dirty="0"/>
+            </a:p>
+            <a:p>
+              <a:pPr algn="ctr"/>
+              <a:endParaRPr lang="en-US" dirty="0"/>
+            </a:p>
+            <a:p>
+              <a:pPr algn="ctr"/>
+              <a:endParaRPr lang="en-US" dirty="0"/>
+            </a:p>
+            <a:p>
+              <a:pPr algn="ctr"/>
+              <a:endParaRPr lang="en-US" dirty="0"/>
+            </a:p>
+            <a:p>
+              <a:pPr algn="ctr"/>
+              <a:endParaRPr lang="en-US" dirty="0"/>
+            </a:p>
+            <a:p>
+              <a:pPr algn="ctr"/>
+              <a:endParaRPr lang="en-US" dirty="0"/>
+            </a:p>
+            <a:p>
+              <a:pPr algn="ctr"/>
+              <a:endParaRPr lang="en-US" dirty="0"/>
+            </a:p>
+            <a:p>
+              <a:pPr algn="ctr"/>
+              <a:endParaRPr lang="en-US" dirty="0"/>
+            </a:p>
+            <a:p>
+              <a:pPr algn="ctr"/>
+              <a:endParaRPr lang="en-US" dirty="0"/>
+            </a:p>
+            <a:p>
+              <a:pPr algn="ctr"/>
+              <a:endParaRPr lang="en-US" dirty="0"/>
+            </a:p>
+            <a:p>
+              <a:pPr algn="ctr"/>
+              <a:endParaRPr lang="en-US" dirty="0"/>
+            </a:p>
+            <a:p>
+              <a:pPr algn="ctr"/>
+              <a:endParaRPr lang="en-US" dirty="0"/>
+            </a:p>
+            <a:p>
+              <a:pPr algn="ctr"/>
+              <a:endParaRPr lang="en-US" dirty="0"/>
+            </a:p>
+            <a:p>
+              <a:pPr algn="ctr"/>
+              <a:endParaRPr lang="en-US" dirty="0"/>
+            </a:p>
+            <a:p>
+              <a:pPr algn="ctr"/>
+              <a:endParaRPr lang="en-US" dirty="0"/>
+            </a:p>
+            <a:p>
+              <a:pPr algn="ctr"/>
+              <a:endParaRPr lang="en-US" dirty="0"/>
+            </a:p>
+            <a:p>
+              <a:pPr algn="ctr"/>
+              <a:endParaRPr lang="en-US" dirty="0"/>
+            </a:p>
+            <a:p>
+              <a:pPr algn="ctr"/>
+              <a:endParaRPr lang="en-US" dirty="0"/>
+            </a:p>
+            <a:p>
+              <a:pPr algn="ctr"/>
+              <a:endParaRPr lang="en-US" dirty="0"/>
+            </a:p>
+            <a:p>
+              <a:pPr algn="ctr"/>
+              <a:endParaRPr lang="en-US" dirty="0"/>
+            </a:p>
+            <a:p>
+              <a:pPr algn="ctr"/>
+              <a:endParaRPr lang="en-US" dirty="0"/>
+            </a:p>
+            <a:p>
+              <a:pPr algn="ctr"/>
+              <a:endParaRPr lang="en-US" dirty="0"/>
+            </a:p>
+            <a:p>
+              <a:pPr algn="ctr"/>
+              <a:r>
+                <a:rPr lang="en-US" dirty="0"/>
+                <a:t>+</a:t>
+              </a:r>
+            </a:p>
+            <a:p>
+              <a:pPr algn="ctr"/>
+              <a:endParaRPr lang="en-US" dirty="0"/>
+            </a:p>
+          </p:txBody>
+        </p:sp>
+        <p:sp>
+          <p:nvSpPr>
+            <p:cNvPr id="34" name="Rectangle 33">
+              <a:extLst>
+                <a:ext uri="{FF2B5EF4-FFF2-40B4-BE49-F238E27FC236}">
+                  <a16:creationId xmlns:a16="http://schemas.microsoft.com/office/drawing/2014/main" id="{97CAE694-E5D7-45D8-80CE-4067B6610E53}"/>
+                </a:ext>
+              </a:extLst>
+            </p:cNvPr>
+            <p:cNvSpPr/>
+            <p:nvPr userDrawn="1"/>
+          </p:nvSpPr>
+          <p:spPr>
+            <a:xfrm>
+              <a:off x="252031" y="655467"/>
+              <a:ext cx="6475341" cy="5701790"/>
+            </a:xfrm>
+            <a:prstGeom prst="rect">
+              <a:avLst/>
+            </a:prstGeom>
+            <a:solidFill>
+              <a:schemeClr val="bg1"/>
+            </a:solidFill>
+            <a:ln>
+              <a:noFill/>
+            </a:ln>
+          </p:spPr>
+          <p:style>
+            <a:lnRef idx="2">
+              <a:schemeClr val="accent1">
+                <a:shade val="50000"/>
+              </a:schemeClr>
+            </a:lnRef>
+            <a:fillRef idx="1">
+              <a:schemeClr val="accent1"/>
+            </a:fillRef>
+            <a:effectRef idx="0">
+              <a:schemeClr val="accent1"/>
+            </a:effectRef>
+            <a:fontRef idx="minor">
+              <a:schemeClr val="lt1"/>
+            </a:fontRef>
+          </p:style>
+          <p:txBody>
+            <a:bodyPr rtlCol="0" anchor="ctr"/>
+            <a:lstStyle/>
+            <a:p>
+              <a:pPr algn="ctr"/>
+              <a:endParaRPr lang="en-US" dirty="0"/>
+            </a:p>
+          </p:txBody>
+        </p:sp>
+      </p:grpSp>
+      <p:sp>
+        <p:nvSpPr>
+          <p:cNvPr id="7" name="Title 6">
+            <a:extLst>
+              <a:ext uri="{FF2B5EF4-FFF2-40B4-BE49-F238E27FC236}">
+                <a16:creationId xmlns:a16="http://schemas.microsoft.com/office/drawing/2014/main" id="{D5445F47-6D74-450C-BC16-998D2021AD78}"/>
+              </a:ext>
+            </a:extLst>
+          </p:cNvPr>
+          <p:cNvSpPr>
+            <a:spLocks noGrp="1"/>
+          </p:cNvSpPr>
+          <p:nvPr>
+            <p:ph type="title"/>
+          </p:nvPr>
+        </p:nvSpPr>
+        <p:spPr/>
+        <p:txBody>
+          <a:bodyPr/>
+          <a:lstStyle/>
+          <a:p>
+            <a:r>
+              <a:rPr lang="en-US" dirty="0"/>
+              <a:t>PORTFOLIO SUITABILITY APP</a:t>
+            </a:r>
+          </a:p>
+        </p:txBody>
+      </p:sp>
+      <p:sp>
+        <p:nvSpPr>
+          <p:cNvPr id="9" name="Text Placeholder 8">
+            <a:extLst>
+              <a:ext uri="{FF2B5EF4-FFF2-40B4-BE49-F238E27FC236}">
+                <a16:creationId xmlns:a16="http://schemas.microsoft.com/office/drawing/2014/main" id="{4744B28E-5E14-4A77-AD4F-C979905862BF}"/>
+              </a:ext>
+            </a:extLst>
+          </p:cNvPr>
+          <p:cNvSpPr>
+            <a:spLocks noGrp="1"/>
+          </p:cNvSpPr>
+          <p:nvPr>
+            <p:ph type="body" idx="13"/>
+          </p:nvPr>
+        </p:nvSpPr>
+        <p:spPr>
+          <a:xfrm>
+            <a:off x="6547865" y="1497308"/>
+            <a:ext cx="3883398" cy="696829"/>
+          </a:xfrm>
+        </p:spPr>
+        <p:txBody>
+          <a:bodyPr/>
+          <a:lstStyle/>
+          <a:p>
+            <a:pPr algn="ctr"/>
+            <a:r>
+              <a:rPr lang="en-US" dirty="0"/>
+              <a:t>ATTRACT CLIENTS WITH A FREE REPORT</a:t>
+            </a:r>
+          </a:p>
+        </p:txBody>
+      </p:sp>
+      <p:sp>
+        <p:nvSpPr>
+          <p:cNvPr id="4" name="Content Placeholder 3">
+            <a:extLst>
+              <a:ext uri="{FF2B5EF4-FFF2-40B4-BE49-F238E27FC236}">
+                <a16:creationId xmlns:a16="http://schemas.microsoft.com/office/drawing/2014/main" id="{2885A4AC-9AA0-4EFF-8162-609223BF5D70}"/>
+              </a:ext>
+            </a:extLst>
+          </p:cNvPr>
+          <p:cNvSpPr>
+            <a:spLocks noGrp="1"/>
+          </p:cNvSpPr>
+          <p:nvPr>
+            <p:ph idx="1"/>
+          </p:nvPr>
+        </p:nvSpPr>
+        <p:spPr>
+          <a:xfrm>
+            <a:off x="5510539" y="2957282"/>
+            <a:ext cx="6117771" cy="1938047"/>
+          </a:xfrm>
+        </p:spPr>
+        <p:txBody>
+          <a:bodyPr>
+            <a:normAutofit fontScale="92500" lnSpcReduction="20000"/>
+          </a:bodyPr>
+          <a:lstStyle/>
+          <a:p>
+            <a:pPr marL="0" indent="0">
+              <a:buNone/>
+            </a:pPr>
+            <a:r>
+              <a:rPr lang="en-US" dirty="0"/>
+              <a:t>You can attract new clients by giving them something for free according to the marketing rule of reciprocity. This app allows you to offer a free report to potential clients that suggests a portfolio of ETFs based on their risk tolerance and investing goals.  That report starts a conversation that enables you to show how you can customize a portfolio for them and how it would compare to common benchmarks like the S&amp;P 500.</a:t>
+            </a:r>
+          </a:p>
+        </p:txBody>
+      </p:sp>
+      <p:sp>
+        <p:nvSpPr>
+          <p:cNvPr id="11" name="Rectangle: Single Corner Snipped 10">
+            <a:extLst>
+              <a:ext uri="{FF2B5EF4-FFF2-40B4-BE49-F238E27FC236}">
+                <a16:creationId xmlns:a16="http://schemas.microsoft.com/office/drawing/2014/main" id="{851F9C8F-B284-4FE9-A76C-49BE3BEE3853}"/>
+              </a:ext>
+              <a:ext uri="{C183D7F6-B498-43B3-948B-1728B52AA6E4}">
+                <adec:decorative xmlns:adec="http://schemas.microsoft.com/office/drawing/2017/decorative" val="1"/>
+              </a:ext>
+            </a:extLst>
+          </p:cNvPr>
+          <p:cNvSpPr/>
+          <p:nvPr/>
+        </p:nvSpPr>
+        <p:spPr>
+          <a:xfrm flipH="1">
+            <a:off x="11549269" y="6356350"/>
+            <a:ext cx="642731" cy="501650"/>
+          </a:xfrm>
+          <a:prstGeom prst="snip1Rect">
+            <a:avLst/>
+          </a:prstGeom>
+          <a:solidFill>
+            <a:srgbClr val="2F3342"/>
+          </a:solidFill>
+          <a:ln>
+            <a:noFill/>
+          </a:ln>
+        </p:spPr>
+        <p:style>
+          <a:lnRef idx="2">
+            <a:schemeClr val="accent1">
+              <a:shade val="50000"/>
+            </a:schemeClr>
+          </a:lnRef>
+          <a:fillRef idx="1">
+            <a:schemeClr val="accent1"/>
+          </a:fillRef>
+          <a:effectRef idx="0">
+            <a:schemeClr val="accent1"/>
+          </a:effectRef>
+          <a:fontRef idx="minor">
+            <a:schemeClr val="lt1"/>
+          </a:fontRef>
+        </p:style>
+        <p:txBody>
+          <a:bodyPr rtlCol="0" anchor="ctr"/>
+          <a:lstStyle/>
+          <a:p>
+            <a:pPr algn="ctr"/>
+            <a:endParaRPr lang="en-US" dirty="0"/>
+          </a:p>
+        </p:txBody>
+      </p:sp>
+      <p:sp>
+        <p:nvSpPr>
+          <p:cNvPr id="12" name="Slide Number Placeholder 5">
+            <a:extLst>
+              <a:ext uri="{FF2B5EF4-FFF2-40B4-BE49-F238E27FC236}">
+                <a16:creationId xmlns:a16="http://schemas.microsoft.com/office/drawing/2014/main" id="{75EF0122-21C6-4139-B8D0-688B2553C487}"/>
+              </a:ext>
+            </a:extLst>
+          </p:cNvPr>
+          <p:cNvSpPr>
+            <a:spLocks noGrp="1"/>
+          </p:cNvSpPr>
+          <p:nvPr>
+            <p:ph type="sldNum" sz="quarter" idx="17"/>
+          </p:nvPr>
+        </p:nvSpPr>
+        <p:spPr>
+          <a:xfrm>
+            <a:off x="11549268" y="6413649"/>
+            <a:ext cx="642731" cy="407804"/>
+          </a:xfrm>
+          <a:prstGeom prst="rect">
+            <a:avLst/>
+          </a:prstGeom>
+        </p:spPr>
+        <p:txBody>
+          <a:bodyPr vert="horz" lIns="91440" tIns="45720" rIns="91440" bIns="45720" rtlCol="0" anchor="ctr"/>
+          <a:lstStyle>
+            <a:lvl1pPr algn="ctr">
+              <a:defRPr sz="1200">
+                <a:solidFill>
+                  <a:schemeClr val="bg1"/>
+                </a:solidFill>
+              </a:defRPr>
+            </a:lvl1pPr>
+          </a:lstStyle>
+          <a:p>
+            <a:fld id="{8C2E478F-E849-4A8C-AF1F-CBCC78A7CBFA}" type="slidenum">
+              <a:rPr lang="en-US" smtClean="0"/>
+              <a:pPr/>
+              <a:t>2</a:t>
+            </a:fld>
+            <a:endParaRPr lang="en-US" dirty="0"/>
+          </a:p>
+        </p:txBody>
+      </p:sp>
+      <p:pic>
+        <p:nvPicPr>
+          <p:cNvPr id="13" name="Picture 12">
+            <a:extLst>
+              <a:ext uri="{FF2B5EF4-FFF2-40B4-BE49-F238E27FC236}">
+                <a16:creationId xmlns:a16="http://schemas.microsoft.com/office/drawing/2014/main" id="{45D1FB63-27D7-4E49-B69D-2E329333B015}"/>
+              </a:ext>
+            </a:extLst>
+          </p:cNvPr>
+          <p:cNvPicPr>
+            <a:picLocks noChangeAspect="1"/>
+          </p:cNvPicPr>
+          <p:nvPr/>
+        </p:nvPicPr>
+        <p:blipFill>
+          <a:blip r:embed="rId4"/>
+          <a:stretch>
+            <a:fillRect/>
+          </a:stretch>
+        </p:blipFill>
+        <p:spPr>
+          <a:xfrm>
+            <a:off x="109845" y="55261"/>
+            <a:ext cx="969348" cy="1066892"/>
+          </a:xfrm>
+          <a:prstGeom prst="rect">
+            <a:avLst/>
+          </a:prstGeom>
+        </p:spPr>
+      </p:pic>
+    </p:spTree>
+    <p:extLst>
+      <p:ext uri="{BB962C8B-B14F-4D97-AF65-F5344CB8AC3E}">
+        <p14:creationId xmlns:p14="http://schemas.microsoft.com/office/powerpoint/2010/main" val="259734590"/>
+      </p:ext>
+    </p:extLst>
+  </p:cSld>
+  <p:clrMapOvr>
+    <a:masterClrMapping/>
+  </p:clrMapOvr>
+</p:sld>
+</file>
+
+<file path=ppt/slides/slide20.xml><?xml version="1.0" encoding="utf-8"?>
 <p:sld xmlns:a="http://schemas.openxmlformats.org/drawingml/2006/main" xmlns:r="http://schemas.openxmlformats.org/officeDocument/2006/relationships" xmlns:p="http://schemas.openxmlformats.org/presentationml/2006/main">
   <p:cSld>
     <p:spTree>
@@ -24378,7 +25323,7 @@
             <a:fld id="{8C2E478F-E849-4A8C-AF1F-CBCC78A7CBFA}" type="slidenum">
               <a:rPr lang="en-US" smtClean="0"/>
               <a:pPr/>
-              <a:t>19</a:t>
+              <a:t>20</a:t>
             </a:fld>
             <a:endParaRPr lang="en-US" dirty="0"/>
           </a:p>
@@ -24397,779 +25342,7 @@
 </p:sld>
 </file>
 
-<file path=ppt/slides/slide2.xml><?xml version="1.0" encoding="utf-8"?>
-<p:sld xmlns:a="http://schemas.openxmlformats.org/drawingml/2006/main" xmlns:r="http://schemas.openxmlformats.org/officeDocument/2006/relationships" xmlns:p="http://schemas.openxmlformats.org/presentationml/2006/main">
-  <p:cSld>
-    <p:spTree>
-      <p:nvGrpSpPr>
-        <p:cNvPr id="1" name=""/>
-        <p:cNvGrpSpPr/>
-        <p:nvPr/>
-      </p:nvGrpSpPr>
-      <p:grpSpPr>
-        <a:xfrm>
-          <a:off x="0" y="0"/>
-          <a:ext cx="0" cy="0"/>
-          <a:chOff x="0" y="0"/>
-          <a:chExt cx="0" cy="0"/>
-        </a:xfrm>
-      </p:grpSpPr>
-      <p:pic>
-        <p:nvPicPr>
-          <p:cNvPr id="6" name="Picture Placeholder 5" descr="City Scape" title="City Scape">
-            <a:extLst>
-              <a:ext uri="{FF2B5EF4-FFF2-40B4-BE49-F238E27FC236}">
-                <a16:creationId xmlns:a16="http://schemas.microsoft.com/office/drawing/2014/main" id="{5E06080F-9F80-49D4-9D28-F3FD457E4278}"/>
-              </a:ext>
-            </a:extLst>
-          </p:cNvPr>
-          <p:cNvPicPr>
-            <a:picLocks noGrp="1" noChangeAspect="1"/>
-          </p:cNvPicPr>
-          <p:nvPr>
-            <p:ph type="pic" sz="quarter" idx="15"/>
-          </p:nvPr>
-        </p:nvPicPr>
-        <p:blipFill>
-          <a:blip r:embed="rId2">
-            <a:extLst>
-              <a:ext uri="{BEBA8EAE-BF5A-486C-A8C5-ECC9F3942E4B}">
-                <a14:imgProps xmlns:a14="http://schemas.microsoft.com/office/drawing/2010/main">
-                  <a14:imgLayer r:embed="rId3">
-                    <a14:imgEffect>
-                      <a14:brightnessContrast bright="-25000" contrast="18000"/>
-                    </a14:imgEffect>
-                  </a14:imgLayer>
-                </a14:imgProps>
-              </a:ext>
-              <a:ext uri="{28A0092B-C50C-407E-A947-70E740481C1C}">
-                <a14:useLocalDpi xmlns:a14="http://schemas.microsoft.com/office/drawing/2010/main" val="0"/>
-              </a:ext>
-            </a:extLst>
-          </a:blip>
-          <a:srcRect/>
-          <a:stretch>
-            <a:fillRect/>
-          </a:stretch>
-        </p:blipFill>
-        <p:spPr/>
-      </p:pic>
-      <p:grpSp>
-        <p:nvGrpSpPr>
-          <p:cNvPr id="31" name="Group 30">
-            <a:extLst>
-              <a:ext uri="{FF2B5EF4-FFF2-40B4-BE49-F238E27FC236}">
-                <a16:creationId xmlns:a16="http://schemas.microsoft.com/office/drawing/2014/main" id="{CDA17D7C-7C63-439C-8B50-C9B0F0F9AAF7}"/>
-              </a:ext>
-              <a:ext uri="{C183D7F6-B498-43B3-948B-1728B52AA6E4}">
-                <adec:decorative xmlns:adec="http://schemas.microsoft.com/office/drawing/2017/decorative" val="1"/>
-              </a:ext>
-            </a:extLst>
-          </p:cNvPr>
-          <p:cNvGrpSpPr/>
-          <p:nvPr/>
-        </p:nvGrpSpPr>
-        <p:grpSpPr>
-          <a:xfrm flipH="1">
-            <a:off x="4115984" y="252563"/>
-            <a:ext cx="7433283" cy="5995838"/>
-            <a:chOff x="252031" y="391887"/>
-            <a:chExt cx="7433283" cy="6215741"/>
-          </a:xfrm>
-        </p:grpSpPr>
-        <p:sp>
-          <p:nvSpPr>
-            <p:cNvPr id="32" name="Rectangle 31">
-              <a:extLst>
-                <a:ext uri="{FF2B5EF4-FFF2-40B4-BE49-F238E27FC236}">
-                  <a16:creationId xmlns:a16="http://schemas.microsoft.com/office/drawing/2014/main" id="{32FD79E9-DA87-4AE3-AB4F-454E8B1C7E28}"/>
-                </a:ext>
-              </a:extLst>
-            </p:cNvPr>
-            <p:cNvSpPr/>
-            <p:nvPr userDrawn="1"/>
-          </p:nvSpPr>
-          <p:spPr>
-            <a:xfrm>
-              <a:off x="609600" y="391887"/>
-              <a:ext cx="7075714" cy="5878284"/>
-            </a:xfrm>
-            <a:prstGeom prst="rect">
-              <a:avLst/>
-            </a:prstGeom>
-            <a:noFill/>
-            <a:ln w="127000">
-              <a:solidFill>
-                <a:schemeClr val="accent3"/>
-              </a:solidFill>
-            </a:ln>
-          </p:spPr>
-          <p:style>
-            <a:lnRef idx="2">
-              <a:schemeClr val="accent1">
-                <a:shade val="50000"/>
-              </a:schemeClr>
-            </a:lnRef>
-            <a:fillRef idx="1">
-              <a:schemeClr val="accent1"/>
-            </a:fillRef>
-            <a:effectRef idx="0">
-              <a:schemeClr val="accent1"/>
-            </a:effectRef>
-            <a:fontRef idx="minor">
-              <a:schemeClr val="lt1"/>
-            </a:fontRef>
-          </p:style>
-          <p:txBody>
-            <a:bodyPr rtlCol="0" anchor="ctr"/>
-            <a:lstStyle/>
-            <a:p>
-              <a:pPr algn="ctr"/>
-              <a:endParaRPr lang="en-US" dirty="0"/>
-            </a:p>
-          </p:txBody>
-        </p:sp>
-        <p:sp>
-          <p:nvSpPr>
-            <p:cNvPr id="33" name="Rectangle 32">
-              <a:extLst>
-                <a:ext uri="{FF2B5EF4-FFF2-40B4-BE49-F238E27FC236}">
-                  <a16:creationId xmlns:a16="http://schemas.microsoft.com/office/drawing/2014/main" id="{C0DB13C1-B4FB-4D33-A199-5BB34983AB47}"/>
-                </a:ext>
-              </a:extLst>
-            </p:cNvPr>
-            <p:cNvSpPr/>
-            <p:nvPr userDrawn="1"/>
-          </p:nvSpPr>
-          <p:spPr>
-            <a:xfrm>
-              <a:off x="979713" y="1181214"/>
-              <a:ext cx="6117771" cy="5426414"/>
-            </a:xfrm>
-            <a:prstGeom prst="rect">
-              <a:avLst/>
-            </a:prstGeom>
-            <a:gradFill>
-              <a:gsLst>
-                <a:gs pos="0">
-                  <a:srgbClr val="038B30">
-                    <a:alpha val="70000"/>
-                  </a:srgbClr>
-                </a:gs>
-                <a:gs pos="100000">
-                  <a:srgbClr val="C0F400">
-                    <a:alpha val="70000"/>
-                  </a:srgbClr>
-                </a:gs>
-                <a:gs pos="50000">
-                  <a:srgbClr val="05EE55">
-                    <a:alpha val="70000"/>
-                  </a:srgbClr>
-                </a:gs>
-              </a:gsLst>
-              <a:lin ang="16200000" scaled="1"/>
-            </a:gradFill>
-            <a:ln>
-              <a:noFill/>
-            </a:ln>
-          </p:spPr>
-          <p:style>
-            <a:lnRef idx="2">
-              <a:schemeClr val="accent1">
-                <a:shade val="50000"/>
-              </a:schemeClr>
-            </a:lnRef>
-            <a:fillRef idx="1">
-              <a:schemeClr val="accent1"/>
-            </a:fillRef>
-            <a:effectRef idx="0">
-              <a:schemeClr val="accent1"/>
-            </a:effectRef>
-            <a:fontRef idx="minor">
-              <a:schemeClr val="lt1"/>
-            </a:fontRef>
-          </p:style>
-          <p:txBody>
-            <a:bodyPr rtlCol="0" anchor="ctr"/>
-            <a:lstStyle/>
-            <a:p>
-              <a:pPr algn="ctr"/>
-              <a:r>
-                <a:rPr lang="en-US" dirty="0"/>
-                <a:t>2</a:t>
-              </a:r>
-            </a:p>
-            <a:p>
-              <a:pPr algn="ctr"/>
-              <a:endParaRPr lang="en-US" dirty="0"/>
-            </a:p>
-            <a:p>
-              <a:pPr algn="ctr"/>
-              <a:endParaRPr lang="en-US" dirty="0"/>
-            </a:p>
-            <a:p>
-              <a:pPr algn="ctr"/>
-              <a:endParaRPr lang="en-US" dirty="0"/>
-            </a:p>
-            <a:p>
-              <a:pPr algn="ctr"/>
-              <a:endParaRPr lang="en-US" dirty="0"/>
-            </a:p>
-            <a:p>
-              <a:pPr algn="ctr"/>
-              <a:endParaRPr lang="en-US" dirty="0"/>
-            </a:p>
-            <a:p>
-              <a:pPr algn="ctr"/>
-              <a:endParaRPr lang="en-US" dirty="0"/>
-            </a:p>
-            <a:p>
-              <a:pPr algn="ctr"/>
-              <a:endParaRPr lang="en-US" dirty="0"/>
-            </a:p>
-            <a:p>
-              <a:pPr algn="ctr"/>
-              <a:endParaRPr lang="en-US" dirty="0"/>
-            </a:p>
-            <a:p>
-              <a:pPr algn="ctr"/>
-              <a:endParaRPr lang="en-US" dirty="0"/>
-            </a:p>
-            <a:p>
-              <a:pPr algn="ctr"/>
-              <a:endParaRPr lang="en-US" dirty="0"/>
-            </a:p>
-            <a:p>
-              <a:pPr algn="ctr"/>
-              <a:endParaRPr lang="en-US" dirty="0"/>
-            </a:p>
-            <a:p>
-              <a:pPr algn="ctr"/>
-              <a:endParaRPr lang="en-US" dirty="0"/>
-            </a:p>
-            <a:p>
-              <a:pPr algn="ctr"/>
-              <a:endParaRPr lang="en-US" dirty="0"/>
-            </a:p>
-            <a:p>
-              <a:pPr algn="ctr"/>
-              <a:endParaRPr lang="en-US" dirty="0"/>
-            </a:p>
-            <a:p>
-              <a:pPr algn="ctr"/>
-              <a:endParaRPr lang="en-US" dirty="0"/>
-            </a:p>
-            <a:p>
-              <a:pPr algn="ctr"/>
-              <a:endParaRPr lang="en-US" dirty="0"/>
-            </a:p>
-            <a:p>
-              <a:pPr algn="ctr"/>
-              <a:endParaRPr lang="en-US" dirty="0"/>
-            </a:p>
-            <a:p>
-              <a:pPr algn="ctr"/>
-              <a:endParaRPr lang="en-US" dirty="0"/>
-            </a:p>
-            <a:p>
-              <a:pPr algn="ctr"/>
-              <a:endParaRPr lang="en-US" dirty="0"/>
-            </a:p>
-            <a:p>
-              <a:pPr algn="ctr"/>
-              <a:endParaRPr lang="en-US" dirty="0"/>
-            </a:p>
-            <a:p>
-              <a:pPr algn="ctr"/>
-              <a:endParaRPr lang="en-US" dirty="0"/>
-            </a:p>
-            <a:p>
-              <a:pPr algn="ctr"/>
-              <a:endParaRPr lang="en-US" dirty="0"/>
-            </a:p>
-            <a:p>
-              <a:pPr algn="ctr"/>
-              <a:endParaRPr lang="en-US" dirty="0"/>
-            </a:p>
-            <a:p>
-              <a:pPr algn="ctr"/>
-              <a:endParaRPr lang="en-US" dirty="0"/>
-            </a:p>
-            <a:p>
-              <a:pPr algn="ctr"/>
-              <a:endParaRPr lang="en-US" dirty="0"/>
-            </a:p>
-            <a:p>
-              <a:pPr algn="ctr"/>
-              <a:endParaRPr lang="en-US" dirty="0"/>
-            </a:p>
-            <a:p>
-              <a:pPr algn="ctr"/>
-              <a:endParaRPr lang="en-US" dirty="0"/>
-            </a:p>
-            <a:p>
-              <a:pPr algn="ctr"/>
-              <a:endParaRPr lang="en-US" dirty="0"/>
-            </a:p>
-            <a:p>
-              <a:pPr algn="ctr"/>
-              <a:endParaRPr lang="en-US" dirty="0"/>
-            </a:p>
-            <a:p>
-              <a:pPr algn="ctr"/>
-              <a:endParaRPr lang="en-US" dirty="0"/>
-            </a:p>
-            <a:p>
-              <a:pPr algn="ctr"/>
-              <a:endParaRPr lang="en-US" dirty="0"/>
-            </a:p>
-            <a:p>
-              <a:pPr algn="ctr"/>
-              <a:endParaRPr lang="en-US" dirty="0"/>
-            </a:p>
-            <a:p>
-              <a:pPr algn="ctr"/>
-              <a:endParaRPr lang="en-US" dirty="0"/>
-            </a:p>
-            <a:p>
-              <a:pPr algn="ctr"/>
-              <a:endParaRPr lang="en-US" dirty="0"/>
-            </a:p>
-            <a:p>
-              <a:pPr algn="ctr"/>
-              <a:endParaRPr lang="en-US" dirty="0"/>
-            </a:p>
-            <a:p>
-              <a:pPr algn="ctr"/>
-              <a:endParaRPr lang="en-US" dirty="0"/>
-            </a:p>
-            <a:p>
-              <a:pPr algn="ctr"/>
-              <a:endParaRPr lang="en-US" dirty="0"/>
-            </a:p>
-            <a:p>
-              <a:pPr algn="ctr"/>
-              <a:endParaRPr lang="en-US" dirty="0"/>
-            </a:p>
-            <a:p>
-              <a:pPr algn="ctr"/>
-              <a:endParaRPr lang="en-US" dirty="0"/>
-            </a:p>
-            <a:p>
-              <a:pPr algn="ctr"/>
-              <a:endParaRPr lang="en-US" dirty="0"/>
-            </a:p>
-            <a:p>
-              <a:pPr algn="ctr"/>
-              <a:endParaRPr lang="en-US" dirty="0"/>
-            </a:p>
-            <a:p>
-              <a:pPr algn="ctr"/>
-              <a:endParaRPr lang="en-US" dirty="0"/>
-            </a:p>
-            <a:p>
-              <a:pPr algn="ctr"/>
-              <a:endParaRPr lang="en-US" dirty="0"/>
-            </a:p>
-            <a:p>
-              <a:pPr algn="ctr"/>
-              <a:endParaRPr lang="en-US" dirty="0"/>
-            </a:p>
-            <a:p>
-              <a:pPr algn="ctr"/>
-              <a:endParaRPr lang="en-US" dirty="0"/>
-            </a:p>
-            <a:p>
-              <a:pPr algn="ctr"/>
-              <a:endParaRPr lang="en-US" dirty="0"/>
-            </a:p>
-            <a:p>
-              <a:pPr algn="ctr"/>
-              <a:endParaRPr lang="en-US" dirty="0"/>
-            </a:p>
-            <a:p>
-              <a:pPr algn="ctr"/>
-              <a:endParaRPr lang="en-US" dirty="0"/>
-            </a:p>
-            <a:p>
-              <a:pPr algn="ctr"/>
-              <a:endParaRPr lang="en-US" dirty="0"/>
-            </a:p>
-            <a:p>
-              <a:pPr algn="ctr"/>
-              <a:endParaRPr lang="en-US" dirty="0"/>
-            </a:p>
-            <a:p>
-              <a:pPr algn="ctr"/>
-              <a:endParaRPr lang="en-US" dirty="0"/>
-            </a:p>
-            <a:p>
-              <a:pPr algn="ctr"/>
-              <a:endParaRPr lang="en-US" dirty="0"/>
-            </a:p>
-            <a:p>
-              <a:pPr algn="ctr"/>
-              <a:endParaRPr lang="en-US" dirty="0"/>
-            </a:p>
-            <a:p>
-              <a:pPr algn="ctr"/>
-              <a:endParaRPr lang="en-US" dirty="0"/>
-            </a:p>
-            <a:p>
-              <a:pPr algn="ctr"/>
-              <a:endParaRPr lang="en-US" dirty="0"/>
-            </a:p>
-            <a:p>
-              <a:pPr algn="ctr"/>
-              <a:endParaRPr lang="en-US" dirty="0"/>
-            </a:p>
-            <a:p>
-              <a:pPr algn="ctr"/>
-              <a:endParaRPr lang="en-US" dirty="0"/>
-            </a:p>
-            <a:p>
-              <a:pPr algn="ctr"/>
-              <a:endParaRPr lang="en-US" dirty="0"/>
-            </a:p>
-            <a:p>
-              <a:pPr algn="ctr"/>
-              <a:endParaRPr lang="en-US" dirty="0"/>
-            </a:p>
-            <a:p>
-              <a:pPr algn="ctr"/>
-              <a:endParaRPr lang="en-US" dirty="0"/>
-            </a:p>
-            <a:p>
-              <a:pPr algn="ctr"/>
-              <a:endParaRPr lang="en-US" dirty="0"/>
-            </a:p>
-            <a:p>
-              <a:pPr algn="ctr"/>
-              <a:endParaRPr lang="en-US" dirty="0"/>
-            </a:p>
-            <a:p>
-              <a:pPr algn="ctr"/>
-              <a:endParaRPr lang="en-US" dirty="0"/>
-            </a:p>
-            <a:p>
-              <a:pPr algn="ctr"/>
-              <a:endParaRPr lang="en-US" dirty="0"/>
-            </a:p>
-            <a:p>
-              <a:pPr algn="ctr"/>
-              <a:endParaRPr lang="en-US" dirty="0"/>
-            </a:p>
-            <a:p>
-              <a:pPr algn="ctr"/>
-              <a:r>
-                <a:rPr lang="en-US" dirty="0"/>
-                <a:t>+</a:t>
-              </a:r>
-            </a:p>
-            <a:p>
-              <a:pPr algn="ctr"/>
-              <a:endParaRPr lang="en-US" dirty="0"/>
-            </a:p>
-          </p:txBody>
-        </p:sp>
-        <p:sp>
-          <p:nvSpPr>
-            <p:cNvPr id="34" name="Rectangle 33">
-              <a:extLst>
-                <a:ext uri="{FF2B5EF4-FFF2-40B4-BE49-F238E27FC236}">
-                  <a16:creationId xmlns:a16="http://schemas.microsoft.com/office/drawing/2014/main" id="{97CAE694-E5D7-45D8-80CE-4067B6610E53}"/>
-                </a:ext>
-              </a:extLst>
-            </p:cNvPr>
-            <p:cNvSpPr/>
-            <p:nvPr userDrawn="1"/>
-          </p:nvSpPr>
-          <p:spPr>
-            <a:xfrm>
-              <a:off x="252031" y="655467"/>
-              <a:ext cx="6475341" cy="5701790"/>
-            </a:xfrm>
-            <a:prstGeom prst="rect">
-              <a:avLst/>
-            </a:prstGeom>
-            <a:solidFill>
-              <a:schemeClr val="bg1"/>
-            </a:solidFill>
-            <a:ln>
-              <a:noFill/>
-            </a:ln>
-          </p:spPr>
-          <p:style>
-            <a:lnRef idx="2">
-              <a:schemeClr val="accent1">
-                <a:shade val="50000"/>
-              </a:schemeClr>
-            </a:lnRef>
-            <a:fillRef idx="1">
-              <a:schemeClr val="accent1"/>
-            </a:fillRef>
-            <a:effectRef idx="0">
-              <a:schemeClr val="accent1"/>
-            </a:effectRef>
-            <a:fontRef idx="minor">
-              <a:schemeClr val="lt1"/>
-            </a:fontRef>
-          </p:style>
-          <p:txBody>
-            <a:bodyPr rtlCol="0" anchor="ctr"/>
-            <a:lstStyle/>
-            <a:p>
-              <a:pPr algn="ctr"/>
-              <a:endParaRPr lang="en-US" dirty="0"/>
-            </a:p>
-          </p:txBody>
-        </p:sp>
-      </p:grpSp>
-      <p:sp>
-        <p:nvSpPr>
-          <p:cNvPr id="7" name="Title 6">
-            <a:extLst>
-              <a:ext uri="{FF2B5EF4-FFF2-40B4-BE49-F238E27FC236}">
-                <a16:creationId xmlns:a16="http://schemas.microsoft.com/office/drawing/2014/main" id="{D5445F47-6D74-450C-BC16-998D2021AD78}"/>
-              </a:ext>
-            </a:extLst>
-          </p:cNvPr>
-          <p:cNvSpPr>
-            <a:spLocks noGrp="1"/>
-          </p:cNvSpPr>
-          <p:nvPr>
-            <p:ph type="title"/>
-          </p:nvPr>
-        </p:nvSpPr>
-        <p:spPr/>
-        <p:txBody>
-          <a:bodyPr/>
-          <a:lstStyle/>
-          <a:p>
-            <a:r>
-              <a:rPr lang="en-US" dirty="0"/>
-              <a:t>PORTFOLIO SUITABILITY APP</a:t>
-            </a:r>
-          </a:p>
-        </p:txBody>
-      </p:sp>
-      <p:sp>
-        <p:nvSpPr>
-          <p:cNvPr id="9" name="Text Placeholder 8">
-            <a:extLst>
-              <a:ext uri="{FF2B5EF4-FFF2-40B4-BE49-F238E27FC236}">
-                <a16:creationId xmlns:a16="http://schemas.microsoft.com/office/drawing/2014/main" id="{4744B28E-5E14-4A77-AD4F-C979905862BF}"/>
-              </a:ext>
-            </a:extLst>
-          </p:cNvPr>
-          <p:cNvSpPr>
-            <a:spLocks noGrp="1"/>
-          </p:cNvSpPr>
-          <p:nvPr>
-            <p:ph type="body" idx="13"/>
-          </p:nvPr>
-        </p:nvSpPr>
-        <p:spPr>
-          <a:xfrm>
-            <a:off x="6547865" y="1497308"/>
-            <a:ext cx="3883398" cy="696829"/>
-          </a:xfrm>
-        </p:spPr>
-        <p:txBody>
-          <a:bodyPr/>
-          <a:lstStyle/>
-          <a:p>
-            <a:pPr algn="ctr"/>
-            <a:r>
-              <a:rPr lang="en-US" dirty="0"/>
-              <a:t>ATTRACT CLIENTS WITH A FREE REPORT</a:t>
-            </a:r>
-          </a:p>
-        </p:txBody>
-      </p:sp>
-      <p:sp>
-        <p:nvSpPr>
-          <p:cNvPr id="4" name="Content Placeholder 3">
-            <a:extLst>
-              <a:ext uri="{FF2B5EF4-FFF2-40B4-BE49-F238E27FC236}">
-                <a16:creationId xmlns:a16="http://schemas.microsoft.com/office/drawing/2014/main" id="{2885A4AC-9AA0-4EFF-8162-609223BF5D70}"/>
-              </a:ext>
-            </a:extLst>
-          </p:cNvPr>
-          <p:cNvSpPr>
-            <a:spLocks noGrp="1"/>
-          </p:cNvSpPr>
-          <p:nvPr>
-            <p:ph idx="1"/>
-          </p:nvPr>
-        </p:nvSpPr>
-        <p:spPr>
-          <a:xfrm>
-            <a:off x="5510539" y="2957282"/>
-            <a:ext cx="6117771" cy="1938047"/>
-          </a:xfrm>
-        </p:spPr>
-        <p:txBody>
-          <a:bodyPr>
-            <a:normAutofit fontScale="92500"/>
-          </a:bodyPr>
-          <a:lstStyle/>
-          <a:p>
-            <a:pPr marL="0" indent="0">
-              <a:buNone/>
-            </a:pPr>
-            <a:r>
-              <a:rPr lang="en-US" dirty="0"/>
-              <a:t>The marketing rule of reciprocity shows that you can attract new clients by giving them something for free. This app allows you to build a portfolio of ETFs based on a potential client’s risk tolerance and investing goals. Use the pdf report to show how you can customize a portfolio to fit their risk tolerance and how that compares to common benchmarks like the S&amp;P 500.</a:t>
-            </a:r>
-          </a:p>
-        </p:txBody>
-      </p:sp>
-      <p:sp>
-        <p:nvSpPr>
-          <p:cNvPr id="11" name="Rectangle: Single Corner Snipped 10">
-            <a:extLst>
-              <a:ext uri="{FF2B5EF4-FFF2-40B4-BE49-F238E27FC236}">
-                <a16:creationId xmlns:a16="http://schemas.microsoft.com/office/drawing/2014/main" id="{851F9C8F-B284-4FE9-A76C-49BE3BEE3853}"/>
-              </a:ext>
-              <a:ext uri="{C183D7F6-B498-43B3-948B-1728B52AA6E4}">
-                <adec:decorative xmlns:adec="http://schemas.microsoft.com/office/drawing/2017/decorative" val="1"/>
-              </a:ext>
-            </a:extLst>
-          </p:cNvPr>
-          <p:cNvSpPr/>
-          <p:nvPr/>
-        </p:nvSpPr>
-        <p:spPr>
-          <a:xfrm flipH="1">
-            <a:off x="11549269" y="6356350"/>
-            <a:ext cx="642731" cy="501650"/>
-          </a:xfrm>
-          <a:prstGeom prst="snip1Rect">
-            <a:avLst/>
-          </a:prstGeom>
-          <a:solidFill>
-            <a:srgbClr val="2F3342"/>
-          </a:solidFill>
-          <a:ln>
-            <a:noFill/>
-          </a:ln>
-        </p:spPr>
-        <p:style>
-          <a:lnRef idx="2">
-            <a:schemeClr val="accent1">
-              <a:shade val="50000"/>
-            </a:schemeClr>
-          </a:lnRef>
-          <a:fillRef idx="1">
-            <a:schemeClr val="accent1"/>
-          </a:fillRef>
-          <a:effectRef idx="0">
-            <a:schemeClr val="accent1"/>
-          </a:effectRef>
-          <a:fontRef idx="minor">
-            <a:schemeClr val="lt1"/>
-          </a:fontRef>
-        </p:style>
-        <p:txBody>
-          <a:bodyPr rtlCol="0" anchor="ctr"/>
-          <a:lstStyle/>
-          <a:p>
-            <a:pPr algn="ctr"/>
-            <a:endParaRPr lang="en-US" dirty="0"/>
-          </a:p>
-        </p:txBody>
-      </p:sp>
-      <p:sp>
-        <p:nvSpPr>
-          <p:cNvPr id="12" name="Slide Number Placeholder 5">
-            <a:extLst>
-              <a:ext uri="{FF2B5EF4-FFF2-40B4-BE49-F238E27FC236}">
-                <a16:creationId xmlns:a16="http://schemas.microsoft.com/office/drawing/2014/main" id="{75EF0122-21C6-4139-B8D0-688B2553C487}"/>
-              </a:ext>
-            </a:extLst>
-          </p:cNvPr>
-          <p:cNvSpPr>
-            <a:spLocks noGrp="1"/>
-          </p:cNvSpPr>
-          <p:nvPr>
-            <p:ph type="sldNum" sz="quarter" idx="17"/>
-          </p:nvPr>
-        </p:nvSpPr>
-        <p:spPr>
-          <a:xfrm>
-            <a:off x="11549268" y="6413649"/>
-            <a:ext cx="642731" cy="407804"/>
-          </a:xfrm>
-          <a:prstGeom prst="rect">
-            <a:avLst/>
-          </a:prstGeom>
-        </p:spPr>
-        <p:txBody>
-          <a:bodyPr vert="horz" lIns="91440" tIns="45720" rIns="91440" bIns="45720" rtlCol="0" anchor="ctr"/>
-          <a:lstStyle>
-            <a:lvl1pPr algn="ctr">
-              <a:defRPr sz="1200">
-                <a:solidFill>
-                  <a:schemeClr val="bg1"/>
-                </a:solidFill>
-              </a:defRPr>
-            </a:lvl1pPr>
-          </a:lstStyle>
-          <a:p>
-            <a:fld id="{8C2E478F-E849-4A8C-AF1F-CBCC78A7CBFA}" type="slidenum">
-              <a:rPr lang="en-US" smtClean="0"/>
-              <a:pPr/>
-              <a:t>2</a:t>
-            </a:fld>
-            <a:endParaRPr lang="en-US" dirty="0"/>
-          </a:p>
-        </p:txBody>
-      </p:sp>
-      <p:pic>
-        <p:nvPicPr>
-          <p:cNvPr id="13" name="Picture 12">
-            <a:extLst>
-              <a:ext uri="{FF2B5EF4-FFF2-40B4-BE49-F238E27FC236}">
-                <a16:creationId xmlns:a16="http://schemas.microsoft.com/office/drawing/2014/main" id="{45D1FB63-27D7-4E49-B69D-2E329333B015}"/>
-              </a:ext>
-            </a:extLst>
-          </p:cNvPr>
-          <p:cNvPicPr>
-            <a:picLocks noChangeAspect="1"/>
-          </p:cNvPicPr>
-          <p:nvPr/>
-        </p:nvPicPr>
-        <p:blipFill>
-          <a:blip r:embed="rId4"/>
-          <a:stretch>
-            <a:fillRect/>
-          </a:stretch>
-        </p:blipFill>
-        <p:spPr>
-          <a:xfrm>
-            <a:off x="109845" y="55261"/>
-            <a:ext cx="969348" cy="1066892"/>
-          </a:xfrm>
-          <a:prstGeom prst="rect">
-            <a:avLst/>
-          </a:prstGeom>
-        </p:spPr>
-      </p:pic>
-    </p:spTree>
-    <p:extLst>
-      <p:ext uri="{BB962C8B-B14F-4D97-AF65-F5344CB8AC3E}">
-        <p14:creationId xmlns:p14="http://schemas.microsoft.com/office/powerpoint/2010/main" val="259734590"/>
-      </p:ext>
-    </p:extLst>
-  </p:cSld>
-  <p:clrMapOvr>
-    <a:masterClrMapping/>
-  </p:clrMapOvr>
-</p:sld>
-</file>
-
-<file path=ppt/slides/slide20.xml><?xml version="1.0" encoding="utf-8"?>
+<file path=ppt/slides/slide21.xml><?xml version="1.0" encoding="utf-8"?>
 <p:sld xmlns:a="http://schemas.openxmlformats.org/drawingml/2006/main" xmlns:r="http://schemas.openxmlformats.org/officeDocument/2006/relationships" xmlns:p="http://schemas.openxmlformats.org/presentationml/2006/main">
   <p:cSld>
     <p:spTree>
@@ -25882,7 +26055,7 @@
             <a:fld id="{8C2E478F-E849-4A8C-AF1F-CBCC78A7CBFA}" type="slidenum">
               <a:rPr lang="en-US" smtClean="0"/>
               <a:pPr/>
-              <a:t>20</a:t>
+              <a:t>21</a:t>
             </a:fld>
             <a:endParaRPr lang="en-US" dirty="0"/>
           </a:p>
@@ -25901,7 +26074,7 @@
 </p:sld>
 </file>
 
-<file path=ppt/slides/slide21.xml><?xml version="1.0" encoding="utf-8"?>
+<file path=ppt/slides/slide22.xml><?xml version="1.0" encoding="utf-8"?>
 <p:sld xmlns:a="http://schemas.openxmlformats.org/drawingml/2006/main" xmlns:r="http://schemas.openxmlformats.org/officeDocument/2006/relationships" xmlns:p="http://schemas.openxmlformats.org/presentationml/2006/main">
   <p:cSld>
     <p:bg>
@@ -26910,7 +27083,7 @@
             <a:fld id="{8C2E478F-E849-4A8C-AF1F-CBCC78A7CBFA}" type="slidenum">
               <a:rPr lang="en-US" smtClean="0"/>
               <a:pPr/>
-              <a:t>21</a:t>
+              <a:t>22</a:t>
             </a:fld>
             <a:endParaRPr lang="en-US" dirty="0"/>
           </a:p>
@@ -26929,7 +27102,7 @@
 </p:sld>
 </file>
 
-<file path=ppt/slides/slide22.xml><?xml version="1.0" encoding="utf-8"?>
+<file path=ppt/slides/slide23.xml><?xml version="1.0" encoding="utf-8"?>
 <p:sld xmlns:a="http://schemas.openxmlformats.org/drawingml/2006/main" xmlns:r="http://schemas.openxmlformats.org/officeDocument/2006/relationships" xmlns:p="http://schemas.openxmlformats.org/presentationml/2006/main">
   <p:cSld>
     <p:spTree>
@@ -27039,7 +27212,7 @@
             <a:fld id="{8C2E478F-E849-4A8C-AF1F-CBCC78A7CBFA}" type="slidenum">
               <a:rPr lang="en-US" smtClean="0"/>
               <a:pPr/>
-              <a:t>22</a:t>
+              <a:t>23</a:t>
             </a:fld>
             <a:endParaRPr lang="en-US" dirty="0"/>
           </a:p>
@@ -27059,259 +27232,6 @@
 </file>
 
 <file path=ppt/slides/slide3.xml><?xml version="1.0" encoding="utf-8"?>
-<p:sld xmlns:a="http://schemas.openxmlformats.org/drawingml/2006/main" xmlns:r="http://schemas.openxmlformats.org/officeDocument/2006/relationships" xmlns:p="http://schemas.openxmlformats.org/presentationml/2006/main">
-  <p:cSld>
-    <p:spTree>
-      <p:nvGrpSpPr>
-        <p:cNvPr id="1" name=""/>
-        <p:cNvGrpSpPr/>
-        <p:nvPr/>
-      </p:nvGrpSpPr>
-      <p:grpSpPr>
-        <a:xfrm>
-          <a:off x="0" y="0"/>
-          <a:ext cx="0" cy="0"/>
-          <a:chOff x="0" y="0"/>
-          <a:chExt cx="0" cy="0"/>
-        </a:xfrm>
-      </p:grpSpPr>
-      <p:sp>
-        <p:nvSpPr>
-          <p:cNvPr id="2" name="Title 1">
-            <a:extLst>
-              <a:ext uri="{FF2B5EF4-FFF2-40B4-BE49-F238E27FC236}">
-                <a16:creationId xmlns:a16="http://schemas.microsoft.com/office/drawing/2014/main" id="{8F1D5BE7-C36F-4E21-A63C-E9B442D1114F}"/>
-              </a:ext>
-            </a:extLst>
-          </p:cNvPr>
-          <p:cNvSpPr>
-            <a:spLocks noGrp="1"/>
-          </p:cNvSpPr>
-          <p:nvPr>
-            <p:ph type="title"/>
-          </p:nvPr>
-        </p:nvSpPr>
-        <p:spPr/>
-        <p:txBody>
-          <a:bodyPr>
-            <a:normAutofit/>
-          </a:bodyPr>
-          <a:lstStyle/>
-          <a:p>
-            <a:r>
-              <a:rPr lang="en-US" dirty="0"/>
-              <a:t>FEATURES</a:t>
-            </a:r>
-          </a:p>
-        </p:txBody>
-      </p:sp>
-      <p:sp>
-        <p:nvSpPr>
-          <p:cNvPr id="3" name="Footer Placeholder 2">
-            <a:extLst>
-              <a:ext uri="{FF2B5EF4-FFF2-40B4-BE49-F238E27FC236}">
-                <a16:creationId xmlns:a16="http://schemas.microsoft.com/office/drawing/2014/main" id="{B7C20DAC-9DB6-4515-971B-9D850CF7815D}"/>
-              </a:ext>
-            </a:extLst>
-          </p:cNvPr>
-          <p:cNvSpPr>
-            <a:spLocks noGrp="1"/>
-          </p:cNvSpPr>
-          <p:nvPr>
-            <p:ph type="ftr" sz="quarter" idx="10"/>
-          </p:nvPr>
-        </p:nvSpPr>
-        <p:spPr/>
-        <p:txBody>
-          <a:bodyPr/>
-          <a:lstStyle/>
-          <a:p>
-            <a:r>
-              <a:rPr lang="en-US"/>
-              <a:t>Add a Footer</a:t>
-            </a:r>
-            <a:endParaRPr lang="en-US" dirty="0"/>
-          </a:p>
-        </p:txBody>
-      </p:sp>
-      <p:sp>
-        <p:nvSpPr>
-          <p:cNvPr id="4" name="Slide Number Placeholder 3">
-            <a:extLst>
-              <a:ext uri="{FF2B5EF4-FFF2-40B4-BE49-F238E27FC236}">
-                <a16:creationId xmlns:a16="http://schemas.microsoft.com/office/drawing/2014/main" id="{C94957B4-5AE9-4220-87B6-BBB66AC0E59C}"/>
-              </a:ext>
-            </a:extLst>
-          </p:cNvPr>
-          <p:cNvSpPr>
-            <a:spLocks noGrp="1"/>
-          </p:cNvSpPr>
-          <p:nvPr>
-            <p:ph type="sldNum" sz="quarter" idx="11"/>
-          </p:nvPr>
-        </p:nvSpPr>
-        <p:spPr/>
-        <p:txBody>
-          <a:bodyPr/>
-          <a:lstStyle/>
-          <a:p>
-            <a:fld id="{8C2E478F-E849-4A8C-AF1F-CBCC78A7CBFA}" type="slidenum">
-              <a:rPr lang="en-US" smtClean="0"/>
-              <a:pPr/>
-              <a:t>3</a:t>
-            </a:fld>
-            <a:endParaRPr lang="en-US" dirty="0"/>
-          </a:p>
-        </p:txBody>
-      </p:sp>
-      <p:sp>
-        <p:nvSpPr>
-          <p:cNvPr id="5" name="Content Placeholder 4">
-            <a:extLst>
-              <a:ext uri="{FF2B5EF4-FFF2-40B4-BE49-F238E27FC236}">
-                <a16:creationId xmlns:a16="http://schemas.microsoft.com/office/drawing/2014/main" id="{E742D916-2B17-43E6-8709-D29220B8204C}"/>
-              </a:ext>
-            </a:extLst>
-          </p:cNvPr>
-          <p:cNvSpPr>
-            <a:spLocks noGrp="1"/>
-          </p:cNvSpPr>
-          <p:nvPr>
-            <p:ph idx="1"/>
-          </p:nvPr>
-        </p:nvSpPr>
-        <p:spPr/>
-        <p:txBody>
-          <a:bodyPr>
-            <a:noAutofit/>
-          </a:bodyPr>
-          <a:lstStyle/>
-          <a:p>
-            <a:r>
-              <a:rPr lang="en-US" sz="1800" dirty="0"/>
-              <a:t>As a financial advisor, use this app to attract new clients by offering them something of value and creating reciprocity</a:t>
-            </a:r>
-          </a:p>
-          <a:p>
-            <a:r>
-              <a:rPr lang="en-US" sz="1800" dirty="0"/>
-              <a:t>The app provides simple ETF investment recommendations that you can build on to create a more customized portfolio  once the client signs on with you</a:t>
-            </a:r>
-          </a:p>
-          <a:p>
-            <a:r>
-              <a:rPr lang="en-US" sz="1800" dirty="0"/>
-              <a:t>The app:</a:t>
-            </a:r>
-          </a:p>
-          <a:p>
-            <a:pPr lvl="1"/>
-            <a:r>
-              <a:rPr lang="en-US" sz="1800" dirty="0"/>
-              <a:t> Collects data from the potential client</a:t>
-            </a:r>
-          </a:p>
-          <a:p>
-            <a:pPr lvl="1"/>
-            <a:r>
-              <a:rPr lang="en-US" sz="1800" dirty="0"/>
-              <a:t> Translates data into a risk score</a:t>
-            </a:r>
-          </a:p>
-          <a:p>
-            <a:pPr lvl="1"/>
-            <a:r>
-              <a:rPr lang="en-US" sz="1800" dirty="0"/>
-              <a:t>Uses the client information and risk score to recommend a portfolio of ETFs</a:t>
-            </a:r>
-          </a:p>
-          <a:p>
-            <a:pPr lvl="1"/>
-            <a:r>
-              <a:rPr lang="en-US" sz="1800" dirty="0"/>
-              <a:t>Generates graphs to show how the recommended portfolio compares to portfolios with other levels of risk and benchmarks like the S&amp;P500</a:t>
-            </a:r>
-          </a:p>
-          <a:p>
-            <a:pPr lvl="1"/>
-            <a:r>
-              <a:rPr lang="en-US" sz="1800" dirty="0"/>
-              <a:t>Outputs a pdf of the graphical results that can be shared with the potential client</a:t>
-            </a:r>
-          </a:p>
-          <a:p>
-            <a:r>
-              <a:rPr lang="en-US" sz="1800" dirty="0"/>
-              <a:t>The app is answering these three questions:</a:t>
-            </a:r>
-          </a:p>
-          <a:p>
-            <a:pPr lvl="1"/>
-            <a:r>
-              <a:rPr lang="en-US" sz="1400" dirty="0"/>
-              <a:t>1. Which criteria are important in determining portfolio suitability?</a:t>
-            </a:r>
-          </a:p>
-          <a:p>
-            <a:pPr lvl="1"/>
-            <a:r>
-              <a:rPr lang="en-US" sz="1400" dirty="0"/>
-              <a:t>2. Which stock portfolios are best suited for each type of investor?</a:t>
-            </a:r>
-          </a:p>
-          <a:p>
-            <a:pPr lvl="1"/>
-            <a:r>
-              <a:rPr lang="en-US" sz="1400" dirty="0"/>
-              <a:t>3. How are these different types of portfolios likely to perform compared to benchmarks?</a:t>
-            </a:r>
-          </a:p>
-        </p:txBody>
-      </p:sp>
-      <p:pic>
-        <p:nvPicPr>
-          <p:cNvPr id="6" name="Picture 5">
-            <a:extLst>
-              <a:ext uri="{FF2B5EF4-FFF2-40B4-BE49-F238E27FC236}">
-                <a16:creationId xmlns:a16="http://schemas.microsoft.com/office/drawing/2014/main" id="{B26B8433-6A5B-4A87-849E-2B13FCA1C343}"/>
-              </a:ext>
-            </a:extLst>
-          </p:cNvPr>
-          <p:cNvPicPr>
-            <a:picLocks noChangeAspect="1"/>
-          </p:cNvPicPr>
-          <p:nvPr/>
-        </p:nvPicPr>
-        <p:blipFill>
-          <a:blip r:embed="rId2"/>
-          <a:stretch>
-            <a:fillRect/>
-          </a:stretch>
-        </p:blipFill>
-        <p:spPr>
-          <a:xfrm>
-            <a:off x="109845" y="61073"/>
-            <a:ext cx="969348" cy="1066892"/>
-          </a:xfrm>
-          <a:prstGeom prst="rect">
-            <a:avLst/>
-          </a:prstGeom>
-        </p:spPr>
-      </p:pic>
-    </p:spTree>
-    <p:extLst>
-      <p:ext uri="{BB962C8B-B14F-4D97-AF65-F5344CB8AC3E}">
-        <p14:creationId xmlns:p14="http://schemas.microsoft.com/office/powerpoint/2010/main" val="3102118612"/>
-      </p:ext>
-    </p:extLst>
-  </p:cSld>
-  <p:clrMapOvr>
-    <a:masterClrMapping/>
-  </p:clrMapOvr>
-</p:sld>
-</file>
-
-<file path=ppt/slides/slide4.xml><?xml version="1.0" encoding="utf-8"?>
 <p:sld xmlns:a="http://schemas.openxmlformats.org/drawingml/2006/main" xmlns:r="http://schemas.openxmlformats.org/officeDocument/2006/relationships" xmlns:p="http://schemas.openxmlformats.org/presentationml/2006/main">
   <p:cSld>
     <p:spTree>
@@ -27381,7 +27301,7 @@
             <a:fld id="{8C2E478F-E849-4A8C-AF1F-CBCC78A7CBFA}" type="slidenum">
               <a:rPr lang="en-US" smtClean="0"/>
               <a:pPr/>
-              <a:t>4</a:t>
+              <a:t>3</a:t>
             </a:fld>
             <a:endParaRPr lang="en-US" dirty="0"/>
           </a:p>
@@ -27690,6 +27610,259 @@
     <p:extLst>
       <p:ext uri="{BB962C8B-B14F-4D97-AF65-F5344CB8AC3E}">
         <p14:creationId xmlns:p14="http://schemas.microsoft.com/office/powerpoint/2010/main" val="2424735460"/>
+      </p:ext>
+    </p:extLst>
+  </p:cSld>
+  <p:clrMapOvr>
+    <a:masterClrMapping/>
+  </p:clrMapOvr>
+</p:sld>
+</file>
+
+<file path=ppt/slides/slide4.xml><?xml version="1.0" encoding="utf-8"?>
+<p:sld xmlns:a="http://schemas.openxmlformats.org/drawingml/2006/main" xmlns:r="http://schemas.openxmlformats.org/officeDocument/2006/relationships" xmlns:p="http://schemas.openxmlformats.org/presentationml/2006/main">
+  <p:cSld>
+    <p:spTree>
+      <p:nvGrpSpPr>
+        <p:cNvPr id="1" name=""/>
+        <p:cNvGrpSpPr/>
+        <p:nvPr/>
+      </p:nvGrpSpPr>
+      <p:grpSpPr>
+        <a:xfrm>
+          <a:off x="0" y="0"/>
+          <a:ext cx="0" cy="0"/>
+          <a:chOff x="0" y="0"/>
+          <a:chExt cx="0" cy="0"/>
+        </a:xfrm>
+      </p:grpSpPr>
+      <p:sp>
+        <p:nvSpPr>
+          <p:cNvPr id="2" name="Title 1">
+            <a:extLst>
+              <a:ext uri="{FF2B5EF4-FFF2-40B4-BE49-F238E27FC236}">
+                <a16:creationId xmlns:a16="http://schemas.microsoft.com/office/drawing/2014/main" id="{8F1D5BE7-C36F-4E21-A63C-E9B442D1114F}"/>
+              </a:ext>
+            </a:extLst>
+          </p:cNvPr>
+          <p:cNvSpPr>
+            <a:spLocks noGrp="1"/>
+          </p:cNvSpPr>
+          <p:nvPr>
+            <p:ph type="title"/>
+          </p:nvPr>
+        </p:nvSpPr>
+        <p:spPr/>
+        <p:txBody>
+          <a:bodyPr>
+            <a:normAutofit/>
+          </a:bodyPr>
+          <a:lstStyle/>
+          <a:p>
+            <a:r>
+              <a:rPr lang="en-US" dirty="0"/>
+              <a:t>FEATURES</a:t>
+            </a:r>
+          </a:p>
+        </p:txBody>
+      </p:sp>
+      <p:sp>
+        <p:nvSpPr>
+          <p:cNvPr id="3" name="Footer Placeholder 2">
+            <a:extLst>
+              <a:ext uri="{FF2B5EF4-FFF2-40B4-BE49-F238E27FC236}">
+                <a16:creationId xmlns:a16="http://schemas.microsoft.com/office/drawing/2014/main" id="{B7C20DAC-9DB6-4515-971B-9D850CF7815D}"/>
+              </a:ext>
+            </a:extLst>
+          </p:cNvPr>
+          <p:cNvSpPr>
+            <a:spLocks noGrp="1"/>
+          </p:cNvSpPr>
+          <p:nvPr>
+            <p:ph type="ftr" sz="quarter" idx="10"/>
+          </p:nvPr>
+        </p:nvSpPr>
+        <p:spPr/>
+        <p:txBody>
+          <a:bodyPr/>
+          <a:lstStyle/>
+          <a:p>
+            <a:r>
+              <a:rPr lang="en-US"/>
+              <a:t>Add a Footer</a:t>
+            </a:r>
+            <a:endParaRPr lang="en-US" dirty="0"/>
+          </a:p>
+        </p:txBody>
+      </p:sp>
+      <p:sp>
+        <p:nvSpPr>
+          <p:cNvPr id="4" name="Slide Number Placeholder 3">
+            <a:extLst>
+              <a:ext uri="{FF2B5EF4-FFF2-40B4-BE49-F238E27FC236}">
+                <a16:creationId xmlns:a16="http://schemas.microsoft.com/office/drawing/2014/main" id="{C94957B4-5AE9-4220-87B6-BBB66AC0E59C}"/>
+              </a:ext>
+            </a:extLst>
+          </p:cNvPr>
+          <p:cNvSpPr>
+            <a:spLocks noGrp="1"/>
+          </p:cNvSpPr>
+          <p:nvPr>
+            <p:ph type="sldNum" sz="quarter" idx="11"/>
+          </p:nvPr>
+        </p:nvSpPr>
+        <p:spPr/>
+        <p:txBody>
+          <a:bodyPr/>
+          <a:lstStyle/>
+          <a:p>
+            <a:fld id="{8C2E478F-E849-4A8C-AF1F-CBCC78A7CBFA}" type="slidenum">
+              <a:rPr lang="en-US" smtClean="0"/>
+              <a:pPr/>
+              <a:t>4</a:t>
+            </a:fld>
+            <a:endParaRPr lang="en-US" dirty="0"/>
+          </a:p>
+        </p:txBody>
+      </p:sp>
+      <p:sp>
+        <p:nvSpPr>
+          <p:cNvPr id="5" name="Content Placeholder 4">
+            <a:extLst>
+              <a:ext uri="{FF2B5EF4-FFF2-40B4-BE49-F238E27FC236}">
+                <a16:creationId xmlns:a16="http://schemas.microsoft.com/office/drawing/2014/main" id="{E742D916-2B17-43E6-8709-D29220B8204C}"/>
+              </a:ext>
+            </a:extLst>
+          </p:cNvPr>
+          <p:cNvSpPr>
+            <a:spLocks noGrp="1"/>
+          </p:cNvSpPr>
+          <p:nvPr>
+            <p:ph idx="1"/>
+          </p:nvPr>
+        </p:nvSpPr>
+        <p:spPr/>
+        <p:txBody>
+          <a:bodyPr>
+            <a:noAutofit/>
+          </a:bodyPr>
+          <a:lstStyle/>
+          <a:p>
+            <a:r>
+              <a:rPr lang="en-US" sz="1800" dirty="0"/>
+              <a:t>As a financial advisor, use this app to attract new clients by offering them something of value and creating reciprocity</a:t>
+            </a:r>
+          </a:p>
+          <a:p>
+            <a:r>
+              <a:rPr lang="en-US" sz="1800" dirty="0"/>
+              <a:t>The app provides simple ETF investment recommendations that you can build on to create a more customized portfolio  once the client signs on with you</a:t>
+            </a:r>
+          </a:p>
+          <a:p>
+            <a:r>
+              <a:rPr lang="en-US" sz="1800" dirty="0"/>
+              <a:t>The app:</a:t>
+            </a:r>
+          </a:p>
+          <a:p>
+            <a:pPr lvl="1"/>
+            <a:r>
+              <a:rPr lang="en-US" sz="1800" dirty="0"/>
+              <a:t> Collects data from the potential client</a:t>
+            </a:r>
+          </a:p>
+          <a:p>
+            <a:pPr lvl="1"/>
+            <a:r>
+              <a:rPr lang="en-US" sz="1800" dirty="0"/>
+              <a:t> Translates data into a risk score</a:t>
+            </a:r>
+          </a:p>
+          <a:p>
+            <a:pPr lvl="1"/>
+            <a:r>
+              <a:rPr lang="en-US" sz="1800" dirty="0"/>
+              <a:t>Uses the client information and risk score to recommend a portfolio of ETFs</a:t>
+            </a:r>
+          </a:p>
+          <a:p>
+            <a:pPr lvl="1"/>
+            <a:r>
+              <a:rPr lang="en-US" sz="1800" dirty="0"/>
+              <a:t>Generates graphs to show how the recommended portfolio compares to portfolios with other levels of risk and benchmarks like the S&amp;P500</a:t>
+            </a:r>
+          </a:p>
+          <a:p>
+            <a:pPr lvl="1"/>
+            <a:r>
+              <a:rPr lang="en-US" sz="1800" dirty="0"/>
+              <a:t>Outputs a pdf of the graphical results that can be shared with the potential client</a:t>
+            </a:r>
+          </a:p>
+          <a:p>
+            <a:r>
+              <a:rPr lang="en-US" sz="1800" dirty="0"/>
+              <a:t>The app is answering these three questions:</a:t>
+            </a:r>
+          </a:p>
+          <a:p>
+            <a:pPr lvl="1"/>
+            <a:r>
+              <a:rPr lang="en-US" sz="1400" dirty="0"/>
+              <a:t>1. Which criteria are important in determining portfolio suitability?</a:t>
+            </a:r>
+          </a:p>
+          <a:p>
+            <a:pPr lvl="1"/>
+            <a:r>
+              <a:rPr lang="en-US" sz="1400" dirty="0"/>
+              <a:t>2. Which ETFs are best suited for each type of investor?</a:t>
+            </a:r>
+          </a:p>
+          <a:p>
+            <a:pPr lvl="1"/>
+            <a:r>
+              <a:rPr lang="en-US" sz="1400" dirty="0"/>
+              <a:t>3. How are these different types of portfolios likely to perform compared to benchmarks?</a:t>
+            </a:r>
+          </a:p>
+        </p:txBody>
+      </p:sp>
+      <p:pic>
+        <p:nvPicPr>
+          <p:cNvPr id="6" name="Picture 5">
+            <a:extLst>
+              <a:ext uri="{FF2B5EF4-FFF2-40B4-BE49-F238E27FC236}">
+                <a16:creationId xmlns:a16="http://schemas.microsoft.com/office/drawing/2014/main" id="{B26B8433-6A5B-4A87-849E-2B13FCA1C343}"/>
+              </a:ext>
+            </a:extLst>
+          </p:cNvPr>
+          <p:cNvPicPr>
+            <a:picLocks noChangeAspect="1"/>
+          </p:cNvPicPr>
+          <p:nvPr/>
+        </p:nvPicPr>
+        <p:blipFill>
+          <a:blip r:embed="rId2"/>
+          <a:stretch>
+            <a:fillRect/>
+          </a:stretch>
+        </p:blipFill>
+        <p:spPr>
+          <a:xfrm>
+            <a:off x="109845" y="61073"/>
+            <a:ext cx="969348" cy="1066892"/>
+          </a:xfrm>
+          <a:prstGeom prst="rect">
+            <a:avLst/>
+          </a:prstGeom>
+        </p:spPr>
+      </p:pic>
+    </p:spTree>
+    <p:extLst>
+      <p:ext uri="{BB962C8B-B14F-4D97-AF65-F5344CB8AC3E}">
+        <p14:creationId xmlns:p14="http://schemas.microsoft.com/office/powerpoint/2010/main" val="3102118612"/>
       </p:ext>
     </p:extLst>
   </p:cSld>
@@ -28101,7 +28274,13 @@
           <a:bodyPr/>
           <a:lstStyle/>
           <a:p>
-            <a:endParaRPr lang="en-US"/>
+            <a:pPr marL="0" indent="0">
+              <a:buNone/>
+            </a:pPr>
+            <a:r>
+              <a:rPr lang="en-US" dirty="0"/>
+              <a:t>The app uses a simplified version of 6 profiles from RBC Wealth Management in their RBC Strategic Asset Allocation model</a:t>
+            </a:r>
           </a:p>
         </p:txBody>
       </p:sp>
@@ -28129,6 +28308,36 @@
           <a:xfrm>
             <a:off x="76713" y="61073"/>
             <a:ext cx="969348" cy="1066892"/>
+          </a:xfrm>
+          <a:prstGeom prst="rect">
+            <a:avLst/>
+          </a:prstGeom>
+        </p:spPr>
+      </p:pic>
+      <p:pic>
+        <p:nvPicPr>
+          <p:cNvPr id="8" name="Picture 7">
+            <a:extLst>
+              <a:ext uri="{FF2B5EF4-FFF2-40B4-BE49-F238E27FC236}">
+                <a16:creationId xmlns:a16="http://schemas.microsoft.com/office/drawing/2014/main" id="{BB2B281E-C0BF-472E-9C95-626D6AF38E82}"/>
+              </a:ext>
+            </a:extLst>
+          </p:cNvPr>
+          <p:cNvPicPr>
+            <a:picLocks noChangeAspect="1"/>
+          </p:cNvPicPr>
+          <p:nvPr/>
+        </p:nvPicPr>
+        <p:blipFill>
+          <a:blip r:embed="rId3"/>
+          <a:stretch>
+            <a:fillRect/>
+          </a:stretch>
+        </p:blipFill>
+        <p:spPr>
+          <a:xfrm>
+            <a:off x="1008396" y="2595404"/>
+            <a:ext cx="10058917" cy="3073558"/>
           </a:xfrm>
           <a:prstGeom prst="rect">
             <a:avLst/>
@@ -28188,7 +28397,7 @@
           <a:p>
             <a:r>
               <a:rPr lang="en-US" dirty="0"/>
-              <a:t>Risk measures</a:t>
+              <a:t>Portfolio construction</a:t>
             </a:r>
           </a:p>
         </p:txBody>
@@ -28277,9 +28486,21 @@
               <a:buNone/>
             </a:pPr>
             <a:r>
-              <a:rPr lang="en-US" dirty="0"/>
-              <a:t>The app calculates basic risk measures </a:t>
+              <a:rPr lang="en-US" sz="2000" dirty="0"/>
+              <a:t>The six profiles have been simplified and applied to ETF holdings based on the following percentages.</a:t>
             </a:r>
+          </a:p>
+          <a:p>
+            <a:pPr marL="0" indent="0">
+              <a:buNone/>
+            </a:pPr>
+            <a:endParaRPr lang="en-US" dirty="0"/>
+          </a:p>
+          <a:p>
+            <a:pPr marL="0" indent="0">
+              <a:buNone/>
+            </a:pPr>
+            <a:endParaRPr lang="en-US" dirty="0"/>
           </a:p>
         </p:txBody>
       </p:sp>
@@ -28288,7 +28509,7 @@
           <p:cNvPr id="6" name="Picture 5">
             <a:extLst>
               <a:ext uri="{FF2B5EF4-FFF2-40B4-BE49-F238E27FC236}">
-                <a16:creationId xmlns:a16="http://schemas.microsoft.com/office/drawing/2014/main" id="{38173E07-8BB9-43CE-B1BB-F68C4742EE04}"/>
+                <a16:creationId xmlns:a16="http://schemas.microsoft.com/office/drawing/2014/main" id="{1DB82C27-F9BA-4C54-8250-0A7BABF3F157}"/>
               </a:ext>
             </a:extLst>
           </p:cNvPr>
@@ -28305,7 +28526,7 @@
         </p:blipFill>
         <p:spPr>
           <a:xfrm>
-            <a:off x="109845" y="61073"/>
+            <a:off x="76713" y="61073"/>
             <a:ext cx="969348" cy="1066892"/>
           </a:xfrm>
           <a:prstGeom prst="rect">
@@ -28313,10 +28534,1033 @@
           </a:prstGeom>
         </p:spPr>
       </p:pic>
+      <p:graphicFrame>
+        <p:nvGraphicFramePr>
+          <p:cNvPr id="7" name="Table 8">
+            <a:extLst>
+              <a:ext uri="{FF2B5EF4-FFF2-40B4-BE49-F238E27FC236}">
+                <a16:creationId xmlns:a16="http://schemas.microsoft.com/office/drawing/2014/main" id="{DFF79F8D-8E63-4AD4-9018-8426247EE032}"/>
+              </a:ext>
+            </a:extLst>
+          </p:cNvPr>
+          <p:cNvGraphicFramePr>
+            <a:graphicFrameLocks noGrp="1"/>
+          </p:cNvGraphicFramePr>
+          <p:nvPr>
+            <p:extLst>
+              <p:ext uri="{D42A27DB-BD31-4B8C-83A1-F6EECF244321}">
+                <p14:modId xmlns:p14="http://schemas.microsoft.com/office/powerpoint/2010/main" val="3240511122"/>
+              </p:ext>
+            </p:extLst>
+          </p:nvPr>
+        </p:nvGraphicFramePr>
+        <p:xfrm>
+          <a:off x="2206171" y="1787842"/>
+          <a:ext cx="8128000" cy="3881120"/>
+        </p:xfrm>
+        <a:graphic>
+          <a:graphicData uri="http://schemas.openxmlformats.org/drawingml/2006/table">
+            <a:tbl>
+              <a:tblPr firstRow="1" bandRow="1">
+                <a:tableStyleId>{00A15C55-8517-42AA-B614-E9B94910E393}</a:tableStyleId>
+              </a:tblPr>
+              <a:tblGrid>
+                <a:gridCol w="1016000">
+                  <a:extLst>
+                    <a:ext uri="{9D8B030D-6E8A-4147-A177-3AD203B41FA5}">
+                      <a16:colId xmlns:a16="http://schemas.microsoft.com/office/drawing/2014/main" val="3980051804"/>
+                    </a:ext>
+                  </a:extLst>
+                </a:gridCol>
+                <a:gridCol w="1016000">
+                  <a:extLst>
+                    <a:ext uri="{9D8B030D-6E8A-4147-A177-3AD203B41FA5}">
+                      <a16:colId xmlns:a16="http://schemas.microsoft.com/office/drawing/2014/main" val="3379251033"/>
+                    </a:ext>
+                  </a:extLst>
+                </a:gridCol>
+                <a:gridCol w="1016000">
+                  <a:extLst>
+                    <a:ext uri="{9D8B030D-6E8A-4147-A177-3AD203B41FA5}">
+                      <a16:colId xmlns:a16="http://schemas.microsoft.com/office/drawing/2014/main" val="3920046003"/>
+                    </a:ext>
+                  </a:extLst>
+                </a:gridCol>
+                <a:gridCol w="1016000">
+                  <a:extLst>
+                    <a:ext uri="{9D8B030D-6E8A-4147-A177-3AD203B41FA5}">
+                      <a16:colId xmlns:a16="http://schemas.microsoft.com/office/drawing/2014/main" val="3984170608"/>
+                    </a:ext>
+                  </a:extLst>
+                </a:gridCol>
+                <a:gridCol w="1016000">
+                  <a:extLst>
+                    <a:ext uri="{9D8B030D-6E8A-4147-A177-3AD203B41FA5}">
+                      <a16:colId xmlns:a16="http://schemas.microsoft.com/office/drawing/2014/main" val="401991740"/>
+                    </a:ext>
+                  </a:extLst>
+                </a:gridCol>
+                <a:gridCol w="1016000">
+                  <a:extLst>
+                    <a:ext uri="{9D8B030D-6E8A-4147-A177-3AD203B41FA5}">
+                      <a16:colId xmlns:a16="http://schemas.microsoft.com/office/drawing/2014/main" val="2267246189"/>
+                    </a:ext>
+                  </a:extLst>
+                </a:gridCol>
+                <a:gridCol w="1016000">
+                  <a:extLst>
+                    <a:ext uri="{9D8B030D-6E8A-4147-A177-3AD203B41FA5}">
+                      <a16:colId xmlns:a16="http://schemas.microsoft.com/office/drawing/2014/main" val="2684587244"/>
+                    </a:ext>
+                  </a:extLst>
+                </a:gridCol>
+                <a:gridCol w="1016000">
+                  <a:extLst>
+                    <a:ext uri="{9D8B030D-6E8A-4147-A177-3AD203B41FA5}">
+                      <a16:colId xmlns:a16="http://schemas.microsoft.com/office/drawing/2014/main" val="11563535"/>
+                    </a:ext>
+                  </a:extLst>
+                </a:gridCol>
+              </a:tblGrid>
+              <a:tr h="370840">
+                <a:tc>
+                  <a:txBody>
+                    <a:bodyPr/>
+                    <a:lstStyle/>
+                    <a:p>
+                      <a:pPr algn="ctr"/>
+                      <a:r>
+                        <a:rPr lang="en-US" sz="1400" dirty="0"/>
+                        <a:t>Asset Class</a:t>
+                      </a:r>
+                    </a:p>
+                  </a:txBody>
+                  <a:tcPr anchor="ctr"/>
+                </a:tc>
+                <a:tc>
+                  <a:txBody>
+                    <a:bodyPr/>
+                    <a:lstStyle/>
+                    <a:p>
+                      <a:pPr algn="ctr"/>
+                      <a:r>
+                        <a:rPr lang="en-US" sz="1400" dirty="0"/>
+                        <a:t>ETFs</a:t>
+                      </a:r>
+                    </a:p>
+                  </a:txBody>
+                  <a:tcPr anchor="ctr"/>
+                </a:tc>
+                <a:tc>
+                  <a:txBody>
+                    <a:bodyPr/>
+                    <a:lstStyle/>
+                    <a:p>
+                      <a:pPr algn="ctr"/>
+                      <a:r>
+                        <a:rPr lang="en-US" sz="1400" dirty="0"/>
+                        <a:t>Profile 0</a:t>
+                      </a:r>
+                    </a:p>
+                    <a:p>
+                      <a:pPr algn="ctr"/>
+                      <a:r>
+                        <a:rPr lang="en-US" sz="1200" dirty="0"/>
+                        <a:t>Fixed Income</a:t>
+                      </a:r>
+                    </a:p>
+                  </a:txBody>
+                  <a:tcPr anchor="ctr"/>
+                </a:tc>
+                <a:tc>
+                  <a:txBody>
+                    <a:bodyPr/>
+                    <a:lstStyle/>
+                    <a:p>
+                      <a:pPr algn="ctr"/>
+                      <a:r>
+                        <a:rPr lang="en-US" sz="1400" dirty="0"/>
+                        <a:t>Profile 1</a:t>
+                      </a:r>
+                    </a:p>
+                  </a:txBody>
+                  <a:tcPr anchor="ctr"/>
+                </a:tc>
+                <a:tc>
+                  <a:txBody>
+                    <a:bodyPr/>
+                    <a:lstStyle/>
+                    <a:p>
+                      <a:pPr algn="ctr"/>
+                      <a:r>
+                        <a:rPr lang="en-US" sz="1400" dirty="0"/>
+                        <a:t>Profile 2</a:t>
+                      </a:r>
+                    </a:p>
+                  </a:txBody>
+                  <a:tcPr anchor="ctr"/>
+                </a:tc>
+                <a:tc>
+                  <a:txBody>
+                    <a:bodyPr/>
+                    <a:lstStyle/>
+                    <a:p>
+                      <a:pPr algn="ctr"/>
+                      <a:r>
+                        <a:rPr lang="en-US" sz="1400" dirty="0"/>
+                        <a:t>Profile 3</a:t>
+                      </a:r>
+                    </a:p>
+                  </a:txBody>
+                  <a:tcPr anchor="ctr"/>
+                </a:tc>
+                <a:tc>
+                  <a:txBody>
+                    <a:bodyPr/>
+                    <a:lstStyle/>
+                    <a:p>
+                      <a:pPr algn="ctr"/>
+                      <a:r>
+                        <a:rPr lang="en-US" sz="1400" dirty="0"/>
+                        <a:t>Profile 4</a:t>
+                      </a:r>
+                    </a:p>
+                  </a:txBody>
+                  <a:tcPr anchor="ctr"/>
+                </a:tc>
+                <a:tc>
+                  <a:txBody>
+                    <a:bodyPr/>
+                    <a:lstStyle/>
+                    <a:p>
+                      <a:pPr algn="ctr"/>
+                      <a:r>
+                        <a:rPr lang="en-US" sz="1400" dirty="0"/>
+                        <a:t>Profile 5</a:t>
+                      </a:r>
+                    </a:p>
+                    <a:p>
+                      <a:pPr algn="ctr"/>
+                      <a:r>
+                        <a:rPr lang="en-US" sz="1200" dirty="0"/>
+                        <a:t>Speculative</a:t>
+                      </a:r>
+                    </a:p>
+                  </a:txBody>
+                  <a:tcPr anchor="ctr"/>
+                </a:tc>
+                <a:extLst>
+                  <a:ext uri="{0D108BD9-81ED-4DB2-BD59-A6C34878D82A}">
+                    <a16:rowId xmlns:a16="http://schemas.microsoft.com/office/drawing/2014/main" val="4252818080"/>
+                  </a:ext>
+                </a:extLst>
+              </a:tr>
+              <a:tr h="370840">
+                <a:tc>
+                  <a:txBody>
+                    <a:bodyPr/>
+                    <a:lstStyle/>
+                    <a:p>
+                      <a:r>
+                        <a:rPr lang="en-US" sz="1200" dirty="0"/>
+                        <a:t>Cash &amp; Cash Alternatives</a:t>
+                      </a:r>
+                    </a:p>
+                  </a:txBody>
+                  <a:tcPr anchor="ctr"/>
+                </a:tc>
+                <a:tc>
+                  <a:txBody>
+                    <a:bodyPr/>
+                    <a:lstStyle/>
+                    <a:p>
+                      <a:endParaRPr lang="en-US" sz="1400" dirty="0"/>
+                    </a:p>
+                  </a:txBody>
+                  <a:tcPr anchor="ctr"/>
+                </a:tc>
+                <a:tc>
+                  <a:txBody>
+                    <a:bodyPr/>
+                    <a:lstStyle/>
+                    <a:p>
+                      <a:pPr algn="ctr"/>
+                      <a:r>
+                        <a:rPr lang="en-US" sz="1400" dirty="0"/>
+                        <a:t>2%</a:t>
+                      </a:r>
+                    </a:p>
+                  </a:txBody>
+                  <a:tcPr anchor="ctr"/>
+                </a:tc>
+                <a:tc>
+                  <a:txBody>
+                    <a:bodyPr/>
+                    <a:lstStyle/>
+                    <a:p>
+                      <a:pPr algn="ctr"/>
+                      <a:r>
+                        <a:rPr lang="en-US" sz="1400" dirty="0"/>
+                        <a:t>2%</a:t>
+                      </a:r>
+                    </a:p>
+                  </a:txBody>
+                  <a:tcPr anchor="ctr"/>
+                </a:tc>
+                <a:tc>
+                  <a:txBody>
+                    <a:bodyPr/>
+                    <a:lstStyle/>
+                    <a:p>
+                      <a:pPr algn="ctr"/>
+                      <a:r>
+                        <a:rPr lang="en-US" sz="1400" dirty="0"/>
+                        <a:t>2%</a:t>
+                      </a:r>
+                    </a:p>
+                  </a:txBody>
+                  <a:tcPr anchor="ctr"/>
+                </a:tc>
+                <a:tc>
+                  <a:txBody>
+                    <a:bodyPr/>
+                    <a:lstStyle/>
+                    <a:p>
+                      <a:pPr algn="ctr"/>
+                      <a:r>
+                        <a:rPr lang="en-US" sz="1400" dirty="0"/>
+                        <a:t>2%</a:t>
+                      </a:r>
+                    </a:p>
+                  </a:txBody>
+                  <a:tcPr anchor="ctr"/>
+                </a:tc>
+                <a:tc>
+                  <a:txBody>
+                    <a:bodyPr/>
+                    <a:lstStyle/>
+                    <a:p>
+                      <a:pPr algn="ctr"/>
+                      <a:r>
+                        <a:rPr lang="en-US" sz="1400" dirty="0"/>
+                        <a:t>2%</a:t>
+                      </a:r>
+                    </a:p>
+                  </a:txBody>
+                  <a:tcPr anchor="ctr"/>
+                </a:tc>
+                <a:tc>
+                  <a:txBody>
+                    <a:bodyPr/>
+                    <a:lstStyle/>
+                    <a:p>
+                      <a:pPr algn="ctr"/>
+                      <a:r>
+                        <a:rPr lang="en-US" sz="1400" dirty="0"/>
+                        <a:t>2%</a:t>
+                      </a:r>
+                    </a:p>
+                  </a:txBody>
+                  <a:tcPr anchor="ctr"/>
+                </a:tc>
+                <a:extLst>
+                  <a:ext uri="{0D108BD9-81ED-4DB2-BD59-A6C34878D82A}">
+                    <a16:rowId xmlns:a16="http://schemas.microsoft.com/office/drawing/2014/main" val="897694916"/>
+                  </a:ext>
+                </a:extLst>
+              </a:tr>
+              <a:tr h="370840">
+                <a:tc>
+                  <a:txBody>
+                    <a:bodyPr/>
+                    <a:lstStyle/>
+                    <a:p>
+                      <a:r>
+                        <a:rPr lang="en-US" sz="1200" dirty="0"/>
+                        <a:t>Fixed Income</a:t>
+                      </a:r>
+                    </a:p>
+                  </a:txBody>
+                  <a:tcPr anchor="ctr"/>
+                </a:tc>
+                <a:tc>
+                  <a:txBody>
+                    <a:bodyPr/>
+                    <a:lstStyle/>
+                    <a:p>
+                      <a:endParaRPr lang="en-US" sz="1400" dirty="0"/>
+                    </a:p>
+                  </a:txBody>
+                  <a:tcPr anchor="ctr"/>
+                </a:tc>
+                <a:tc>
+                  <a:txBody>
+                    <a:bodyPr/>
+                    <a:lstStyle/>
+                    <a:p>
+                      <a:pPr algn="ctr"/>
+                      <a:r>
+                        <a:rPr lang="en-US" sz="1400" dirty="0"/>
+                        <a:t>98%</a:t>
+                      </a:r>
+                    </a:p>
+                  </a:txBody>
+                  <a:tcPr anchor="ctr"/>
+                </a:tc>
+                <a:tc>
+                  <a:txBody>
+                    <a:bodyPr/>
+                    <a:lstStyle/>
+                    <a:p>
+                      <a:pPr algn="ctr"/>
+                      <a:r>
+                        <a:rPr lang="en-US" sz="1400" dirty="0"/>
+                        <a:t>78%</a:t>
+                      </a:r>
+                    </a:p>
+                  </a:txBody>
+                  <a:tcPr anchor="ctr"/>
+                </a:tc>
+                <a:tc>
+                  <a:txBody>
+                    <a:bodyPr/>
+                    <a:lstStyle/>
+                    <a:p>
+                      <a:pPr algn="ctr"/>
+                      <a:r>
+                        <a:rPr lang="en-US" sz="1400" dirty="0"/>
+                        <a:t>58%</a:t>
+                      </a:r>
+                    </a:p>
+                  </a:txBody>
+                  <a:tcPr anchor="ctr"/>
+                </a:tc>
+                <a:tc>
+                  <a:txBody>
+                    <a:bodyPr/>
+                    <a:lstStyle/>
+                    <a:p>
+                      <a:pPr algn="ctr"/>
+                      <a:r>
+                        <a:rPr lang="en-US" sz="1400" dirty="0"/>
+                        <a:t>38%</a:t>
+                      </a:r>
+                    </a:p>
+                  </a:txBody>
+                  <a:tcPr anchor="ctr"/>
+                </a:tc>
+                <a:tc>
+                  <a:txBody>
+                    <a:bodyPr/>
+                    <a:lstStyle/>
+                    <a:p>
+                      <a:pPr algn="ctr"/>
+                      <a:r>
+                        <a:rPr lang="en-US" sz="1400" dirty="0"/>
+                        <a:t>18%</a:t>
+                      </a:r>
+                    </a:p>
+                  </a:txBody>
+                  <a:tcPr anchor="ctr"/>
+                </a:tc>
+                <a:tc>
+                  <a:txBody>
+                    <a:bodyPr/>
+                    <a:lstStyle/>
+                    <a:p>
+                      <a:pPr algn="ctr"/>
+                      <a:r>
+                        <a:rPr lang="en-US" sz="1400" dirty="0"/>
+                        <a:t>NA</a:t>
+                      </a:r>
+                    </a:p>
+                  </a:txBody>
+                  <a:tcPr anchor="ctr"/>
+                </a:tc>
+                <a:extLst>
+                  <a:ext uri="{0D108BD9-81ED-4DB2-BD59-A6C34878D82A}">
+                    <a16:rowId xmlns:a16="http://schemas.microsoft.com/office/drawing/2014/main" val="4004479858"/>
+                  </a:ext>
+                </a:extLst>
+              </a:tr>
+              <a:tr h="370840">
+                <a:tc>
+                  <a:txBody>
+                    <a:bodyPr/>
+                    <a:lstStyle/>
+                    <a:p>
+                      <a:r>
+                        <a:rPr lang="en-US" sz="1200" dirty="0"/>
+                        <a:t>Equity: Large Cap</a:t>
+                      </a:r>
+                    </a:p>
+                  </a:txBody>
+                  <a:tcPr anchor="ctr"/>
+                </a:tc>
+                <a:tc>
+                  <a:txBody>
+                    <a:bodyPr/>
+                    <a:lstStyle/>
+                    <a:p>
+                      <a:endParaRPr lang="en-US" sz="1400" dirty="0"/>
+                    </a:p>
+                  </a:txBody>
+                  <a:tcPr anchor="ctr"/>
+                </a:tc>
+                <a:tc>
+                  <a:txBody>
+                    <a:bodyPr/>
+                    <a:lstStyle/>
+                    <a:p>
+                      <a:pPr algn="ctr"/>
+                      <a:r>
+                        <a:rPr lang="en-US" sz="1400" dirty="0"/>
+                        <a:t>NA</a:t>
+                      </a:r>
+                    </a:p>
+                  </a:txBody>
+                  <a:tcPr anchor="ctr"/>
+                </a:tc>
+                <a:tc>
+                  <a:txBody>
+                    <a:bodyPr/>
+                    <a:lstStyle/>
+                    <a:p>
+                      <a:pPr algn="ctr"/>
+                      <a:r>
+                        <a:rPr lang="en-US" sz="1400" dirty="0"/>
+                        <a:t>12%</a:t>
+                      </a:r>
+                    </a:p>
+                  </a:txBody>
+                  <a:tcPr anchor="ctr"/>
+                </a:tc>
+                <a:tc>
+                  <a:txBody>
+                    <a:bodyPr/>
+                    <a:lstStyle/>
+                    <a:p>
+                      <a:pPr algn="ctr"/>
+                      <a:r>
+                        <a:rPr lang="en-US" sz="1400" dirty="0"/>
+                        <a:t>18%</a:t>
+                      </a:r>
+                    </a:p>
+                  </a:txBody>
+                  <a:tcPr anchor="ctr"/>
+                </a:tc>
+                <a:tc>
+                  <a:txBody>
+                    <a:bodyPr/>
+                    <a:lstStyle/>
+                    <a:p>
+                      <a:pPr algn="ctr"/>
+                      <a:r>
+                        <a:rPr lang="en-US" sz="1400" dirty="0"/>
+                        <a:t>24%</a:t>
+                      </a:r>
+                    </a:p>
+                  </a:txBody>
+                  <a:tcPr anchor="ctr"/>
+                </a:tc>
+                <a:tc>
+                  <a:txBody>
+                    <a:bodyPr/>
+                    <a:lstStyle/>
+                    <a:p>
+                      <a:pPr algn="ctr"/>
+                      <a:r>
+                        <a:rPr lang="en-US" sz="1400" dirty="0"/>
+                        <a:t>32%</a:t>
+                      </a:r>
+                    </a:p>
+                  </a:txBody>
+                  <a:tcPr anchor="ctr"/>
+                </a:tc>
+                <a:tc>
+                  <a:txBody>
+                    <a:bodyPr/>
+                    <a:lstStyle/>
+                    <a:p>
+                      <a:pPr algn="ctr"/>
+                      <a:r>
+                        <a:rPr lang="en-US" sz="1400" dirty="0"/>
+                        <a:t>38%</a:t>
+                      </a:r>
+                    </a:p>
+                  </a:txBody>
+                  <a:tcPr anchor="ctr"/>
+                </a:tc>
+                <a:extLst>
+                  <a:ext uri="{0D108BD9-81ED-4DB2-BD59-A6C34878D82A}">
+                    <a16:rowId xmlns:a16="http://schemas.microsoft.com/office/drawing/2014/main" val="1716399603"/>
+                  </a:ext>
+                </a:extLst>
+              </a:tr>
+              <a:tr h="370840">
+                <a:tc>
+                  <a:txBody>
+                    <a:bodyPr/>
+                    <a:lstStyle/>
+                    <a:p>
+                      <a:r>
+                        <a:rPr lang="en-US" sz="1200" dirty="0"/>
+                        <a:t>Equity: Mid Cap</a:t>
+                      </a:r>
+                    </a:p>
+                  </a:txBody>
+                  <a:tcPr anchor="ctr"/>
+                </a:tc>
+                <a:tc>
+                  <a:txBody>
+                    <a:bodyPr/>
+                    <a:lstStyle/>
+                    <a:p>
+                      <a:endParaRPr lang="en-US" sz="1400" dirty="0"/>
+                    </a:p>
+                  </a:txBody>
+                  <a:tcPr anchor="ctr"/>
+                </a:tc>
+                <a:tc>
+                  <a:txBody>
+                    <a:bodyPr/>
+                    <a:lstStyle/>
+                    <a:p>
+                      <a:pPr algn="ctr"/>
+                      <a:r>
+                        <a:rPr lang="en-US" sz="1400" dirty="0"/>
+                        <a:t>NA</a:t>
+                      </a:r>
+                    </a:p>
+                  </a:txBody>
+                  <a:tcPr anchor="ctr"/>
+                </a:tc>
+                <a:tc>
+                  <a:txBody>
+                    <a:bodyPr/>
+                    <a:lstStyle/>
+                    <a:p>
+                      <a:pPr algn="ctr"/>
+                      <a:r>
+                        <a:rPr lang="en-US" sz="1400" dirty="0"/>
+                        <a:t>NA</a:t>
+                      </a:r>
+                    </a:p>
+                  </a:txBody>
+                  <a:tcPr anchor="ctr"/>
+                </a:tc>
+                <a:tc>
+                  <a:txBody>
+                    <a:bodyPr/>
+                    <a:lstStyle/>
+                    <a:p>
+                      <a:pPr algn="ctr"/>
+                      <a:r>
+                        <a:rPr lang="en-US" sz="1400" dirty="0"/>
+                        <a:t>6%</a:t>
+                      </a:r>
+                    </a:p>
+                  </a:txBody>
+                  <a:tcPr anchor="ctr"/>
+                </a:tc>
+                <a:tc>
+                  <a:txBody>
+                    <a:bodyPr/>
+                    <a:lstStyle/>
+                    <a:p>
+                      <a:pPr algn="ctr"/>
+                      <a:r>
+                        <a:rPr lang="en-US" sz="1400" dirty="0"/>
+                        <a:t>9%</a:t>
+                      </a:r>
+                    </a:p>
+                  </a:txBody>
+                  <a:tcPr anchor="ctr"/>
+                </a:tc>
+                <a:tc>
+                  <a:txBody>
+                    <a:bodyPr/>
+                    <a:lstStyle/>
+                    <a:p>
+                      <a:pPr algn="ctr"/>
+                      <a:r>
+                        <a:rPr lang="en-US" sz="1400" dirty="0"/>
+                        <a:t>10%</a:t>
+                      </a:r>
+                    </a:p>
+                  </a:txBody>
+                  <a:tcPr anchor="ctr"/>
+                </a:tc>
+                <a:tc>
+                  <a:txBody>
+                    <a:bodyPr/>
+                    <a:lstStyle/>
+                    <a:p>
+                      <a:pPr algn="ctr"/>
+                      <a:r>
+                        <a:rPr lang="en-US" sz="1400" dirty="0"/>
+                        <a:t>13%</a:t>
+                      </a:r>
+                    </a:p>
+                  </a:txBody>
+                  <a:tcPr anchor="ctr"/>
+                </a:tc>
+                <a:extLst>
+                  <a:ext uri="{0D108BD9-81ED-4DB2-BD59-A6C34878D82A}">
+                    <a16:rowId xmlns:a16="http://schemas.microsoft.com/office/drawing/2014/main" val="3463530189"/>
+                  </a:ext>
+                </a:extLst>
+              </a:tr>
+              <a:tr h="370840">
+                <a:tc>
+                  <a:txBody>
+                    <a:bodyPr/>
+                    <a:lstStyle/>
+                    <a:p>
+                      <a:r>
+                        <a:rPr lang="en-US" sz="1200" dirty="0"/>
+                        <a:t>Equity: Small Cap</a:t>
+                      </a:r>
+                    </a:p>
+                  </a:txBody>
+                  <a:tcPr anchor="ctr"/>
+                </a:tc>
+                <a:tc>
+                  <a:txBody>
+                    <a:bodyPr/>
+                    <a:lstStyle/>
+                    <a:p>
+                      <a:endParaRPr lang="en-US" sz="1400" dirty="0"/>
+                    </a:p>
+                  </a:txBody>
+                  <a:tcPr anchor="ctr"/>
+                </a:tc>
+                <a:tc>
+                  <a:txBody>
+                    <a:bodyPr/>
+                    <a:lstStyle/>
+                    <a:p>
+                      <a:pPr algn="ctr"/>
+                      <a:r>
+                        <a:rPr lang="en-US" sz="1400" dirty="0"/>
+                        <a:t>NA</a:t>
+                      </a:r>
+                    </a:p>
+                  </a:txBody>
+                  <a:tcPr anchor="ctr"/>
+                </a:tc>
+                <a:tc>
+                  <a:txBody>
+                    <a:bodyPr/>
+                    <a:lstStyle/>
+                    <a:p>
+                      <a:pPr algn="ctr"/>
+                      <a:r>
+                        <a:rPr lang="en-US" sz="1400" dirty="0"/>
+                        <a:t>NA</a:t>
+                      </a:r>
+                    </a:p>
+                  </a:txBody>
+                  <a:tcPr anchor="ctr"/>
+                </a:tc>
+                <a:tc>
+                  <a:txBody>
+                    <a:bodyPr/>
+                    <a:lstStyle/>
+                    <a:p>
+                      <a:pPr algn="ctr"/>
+                      <a:r>
+                        <a:rPr lang="en-US" sz="1400" dirty="0"/>
+                        <a:t>NA</a:t>
+                      </a:r>
+                    </a:p>
+                  </a:txBody>
+                  <a:tcPr anchor="ctr"/>
+                </a:tc>
+                <a:tc>
+                  <a:txBody>
+                    <a:bodyPr/>
+                    <a:lstStyle/>
+                    <a:p>
+                      <a:pPr algn="ctr"/>
+                      <a:r>
+                        <a:rPr lang="en-US" sz="1400" dirty="0"/>
+                        <a:t>3%</a:t>
+                      </a:r>
+                    </a:p>
+                  </a:txBody>
+                  <a:tcPr anchor="ctr"/>
+                </a:tc>
+                <a:tc>
+                  <a:txBody>
+                    <a:bodyPr/>
+                    <a:lstStyle/>
+                    <a:p>
+                      <a:pPr algn="ctr"/>
+                      <a:r>
+                        <a:rPr lang="en-US" sz="1400" dirty="0"/>
+                        <a:t>6%</a:t>
+                      </a:r>
+                    </a:p>
+                  </a:txBody>
+                  <a:tcPr anchor="ctr"/>
+                </a:tc>
+                <a:tc>
+                  <a:txBody>
+                    <a:bodyPr/>
+                    <a:lstStyle/>
+                    <a:p>
+                      <a:pPr algn="ctr"/>
+                      <a:r>
+                        <a:rPr lang="en-US" sz="1400" dirty="0"/>
+                        <a:t>7%</a:t>
+                      </a:r>
+                    </a:p>
+                  </a:txBody>
+                  <a:tcPr anchor="ctr"/>
+                </a:tc>
+                <a:extLst>
+                  <a:ext uri="{0D108BD9-81ED-4DB2-BD59-A6C34878D82A}">
+                    <a16:rowId xmlns:a16="http://schemas.microsoft.com/office/drawing/2014/main" val="3290545000"/>
+                  </a:ext>
+                </a:extLst>
+              </a:tr>
+              <a:tr h="370840">
+                <a:tc>
+                  <a:txBody>
+                    <a:bodyPr/>
+                    <a:lstStyle/>
+                    <a:p>
+                      <a:r>
+                        <a:rPr lang="en-US" sz="1200" dirty="0"/>
+                        <a:t>Equity: Intl</a:t>
+                      </a:r>
+                    </a:p>
+                  </a:txBody>
+                  <a:tcPr anchor="ctr"/>
+                </a:tc>
+                <a:tc>
+                  <a:txBody>
+                    <a:bodyPr/>
+                    <a:lstStyle/>
+                    <a:p>
+                      <a:endParaRPr lang="en-US" sz="1400" dirty="0"/>
+                    </a:p>
+                  </a:txBody>
+                  <a:tcPr anchor="ctr"/>
+                </a:tc>
+                <a:tc>
+                  <a:txBody>
+                    <a:bodyPr/>
+                    <a:lstStyle/>
+                    <a:p>
+                      <a:pPr algn="ctr"/>
+                      <a:r>
+                        <a:rPr lang="en-US" sz="1400" dirty="0"/>
+                        <a:t>NA</a:t>
+                      </a:r>
+                    </a:p>
+                  </a:txBody>
+                  <a:tcPr anchor="ctr"/>
+                </a:tc>
+                <a:tc>
+                  <a:txBody>
+                    <a:bodyPr/>
+                    <a:lstStyle/>
+                    <a:p>
+                      <a:pPr algn="ctr"/>
+                      <a:r>
+                        <a:rPr lang="en-US" sz="1400" dirty="0"/>
+                        <a:t>8%</a:t>
+                      </a:r>
+                    </a:p>
+                  </a:txBody>
+                  <a:tcPr anchor="ctr"/>
+                </a:tc>
+                <a:tc>
+                  <a:txBody>
+                    <a:bodyPr/>
+                    <a:lstStyle/>
+                    <a:p>
+                      <a:pPr algn="ctr"/>
+                      <a:r>
+                        <a:rPr lang="en-US" sz="1400" dirty="0"/>
+                        <a:t>16%</a:t>
+                      </a:r>
+                    </a:p>
+                  </a:txBody>
+                  <a:tcPr anchor="ctr"/>
+                </a:tc>
+                <a:tc>
+                  <a:txBody>
+                    <a:bodyPr/>
+                    <a:lstStyle/>
+                    <a:p>
+                      <a:pPr algn="ctr"/>
+                      <a:r>
+                        <a:rPr lang="en-US" sz="1400" dirty="0"/>
+                        <a:t>20%</a:t>
+                      </a:r>
+                    </a:p>
+                  </a:txBody>
+                  <a:tcPr anchor="ctr"/>
+                </a:tc>
+                <a:tc>
+                  <a:txBody>
+                    <a:bodyPr/>
+                    <a:lstStyle/>
+                    <a:p>
+                      <a:pPr algn="ctr"/>
+                      <a:r>
+                        <a:rPr lang="en-US" sz="1400" dirty="0"/>
+                        <a:t>26%</a:t>
+                      </a:r>
+                    </a:p>
+                  </a:txBody>
+                  <a:tcPr anchor="ctr"/>
+                </a:tc>
+                <a:tc>
+                  <a:txBody>
+                    <a:bodyPr/>
+                    <a:lstStyle/>
+                    <a:p>
+                      <a:pPr algn="ctr"/>
+                      <a:r>
+                        <a:rPr lang="en-US" sz="1400" dirty="0"/>
+                        <a:t>33%</a:t>
+                      </a:r>
+                    </a:p>
+                  </a:txBody>
+                  <a:tcPr anchor="ctr"/>
+                </a:tc>
+                <a:extLst>
+                  <a:ext uri="{0D108BD9-81ED-4DB2-BD59-A6C34878D82A}">
+                    <a16:rowId xmlns:a16="http://schemas.microsoft.com/office/drawing/2014/main" val="2187623495"/>
+                  </a:ext>
+                </a:extLst>
+              </a:tr>
+              <a:tr h="370840">
+                <a:tc>
+                  <a:txBody>
+                    <a:bodyPr/>
+                    <a:lstStyle/>
+                    <a:p>
+                      <a:r>
+                        <a:rPr lang="en-US" sz="1200" dirty="0"/>
+                        <a:t>Equity: Emerging Mkts</a:t>
+                      </a:r>
+                    </a:p>
+                  </a:txBody>
+                  <a:tcPr anchor="ctr"/>
+                </a:tc>
+                <a:tc>
+                  <a:txBody>
+                    <a:bodyPr/>
+                    <a:lstStyle/>
+                    <a:p>
+                      <a:endParaRPr lang="en-US" sz="1400" dirty="0"/>
+                    </a:p>
+                  </a:txBody>
+                  <a:tcPr anchor="ctr"/>
+                </a:tc>
+                <a:tc>
+                  <a:txBody>
+                    <a:bodyPr/>
+                    <a:lstStyle/>
+                    <a:p>
+                      <a:pPr algn="ctr"/>
+                      <a:r>
+                        <a:rPr lang="en-US" sz="1400" dirty="0"/>
+                        <a:t>NA</a:t>
+                      </a:r>
+                    </a:p>
+                  </a:txBody>
+                  <a:tcPr anchor="ctr"/>
+                </a:tc>
+                <a:tc>
+                  <a:txBody>
+                    <a:bodyPr/>
+                    <a:lstStyle/>
+                    <a:p>
+                      <a:pPr algn="ctr"/>
+                      <a:r>
+                        <a:rPr lang="en-US" sz="1400" dirty="0"/>
+                        <a:t>NA</a:t>
+                      </a:r>
+                    </a:p>
+                  </a:txBody>
+                  <a:tcPr anchor="ctr"/>
+                </a:tc>
+                <a:tc>
+                  <a:txBody>
+                    <a:bodyPr/>
+                    <a:lstStyle/>
+                    <a:p>
+                      <a:pPr algn="ctr"/>
+                      <a:r>
+                        <a:rPr lang="en-US" sz="1400" dirty="0"/>
+                        <a:t>NA</a:t>
+                      </a:r>
+                    </a:p>
+                  </a:txBody>
+                  <a:tcPr anchor="ctr"/>
+                </a:tc>
+                <a:tc>
+                  <a:txBody>
+                    <a:bodyPr/>
+                    <a:lstStyle/>
+                    <a:p>
+                      <a:pPr algn="ctr"/>
+                      <a:r>
+                        <a:rPr lang="en-US" sz="1400" dirty="0"/>
+                        <a:t>4%</a:t>
+                      </a:r>
+                    </a:p>
+                  </a:txBody>
+                  <a:tcPr anchor="ctr"/>
+                </a:tc>
+                <a:tc>
+                  <a:txBody>
+                    <a:bodyPr/>
+                    <a:lstStyle/>
+                    <a:p>
+                      <a:pPr algn="ctr"/>
+                      <a:r>
+                        <a:rPr lang="en-US" sz="1400" dirty="0"/>
+                        <a:t>6%</a:t>
+                      </a:r>
+                    </a:p>
+                  </a:txBody>
+                  <a:tcPr anchor="ctr"/>
+                </a:tc>
+                <a:tc>
+                  <a:txBody>
+                    <a:bodyPr/>
+                    <a:lstStyle/>
+                    <a:p>
+                      <a:pPr algn="ctr"/>
+                      <a:r>
+                        <a:rPr lang="en-US" sz="1400" dirty="0"/>
+                        <a:t>7%</a:t>
+                      </a:r>
+                    </a:p>
+                  </a:txBody>
+                  <a:tcPr anchor="ctr"/>
+                </a:tc>
+                <a:extLst>
+                  <a:ext uri="{0D108BD9-81ED-4DB2-BD59-A6C34878D82A}">
+                    <a16:rowId xmlns:a16="http://schemas.microsoft.com/office/drawing/2014/main" val="3890309346"/>
+                  </a:ext>
+                </a:extLst>
+              </a:tr>
+            </a:tbl>
+          </a:graphicData>
+        </a:graphic>
+      </p:graphicFrame>
     </p:spTree>
     <p:extLst>
       <p:ext uri="{BB962C8B-B14F-4D97-AF65-F5344CB8AC3E}">
-        <p14:creationId xmlns:p14="http://schemas.microsoft.com/office/powerpoint/2010/main" val="3366491455"/>
+        <p14:creationId xmlns:p14="http://schemas.microsoft.com/office/powerpoint/2010/main" val="3778619092"/>
       </p:ext>
     </p:extLst>
   </p:cSld>
@@ -28366,7 +29610,7 @@
           <a:p>
             <a:r>
               <a:rPr lang="en-US" dirty="0"/>
-              <a:t>Comparing 4 portfolios</a:t>
+              <a:t>Risk SCORES</a:t>
             </a:r>
           </a:p>
         </p:txBody>
@@ -28451,7 +29695,40 @@
           <a:bodyPr/>
           <a:lstStyle/>
           <a:p>
-            <a:endParaRPr lang="en-US"/>
+            <a:pPr marL="0" indent="0">
+              <a:buNone/>
+            </a:pPr>
+            <a:r>
+              <a:rPr lang="en-US" dirty="0"/>
+              <a:t>The app calculates basic risk scores based on percentage of annual income being invested, disposable income and an </a:t>
+            </a:r>
+            <a:r>
+              <a:rPr lang="en-US" dirty="0">
+                <a:highlight>
+                  <a:srgbClr val="FFFF00"/>
+                </a:highlight>
+              </a:rPr>
+              <a:t>investment ratio</a:t>
+            </a:r>
+            <a:r>
+              <a:rPr lang="en-US" dirty="0"/>
+              <a:t>.</a:t>
+            </a:r>
+          </a:p>
+          <a:p>
+            <a:pPr marL="0" indent="0">
+              <a:buNone/>
+            </a:pPr>
+            <a:endParaRPr lang="en-US" dirty="0"/>
+          </a:p>
+          <a:p>
+            <a:pPr marL="0" indent="0">
+              <a:buNone/>
+            </a:pPr>
+            <a:r>
+              <a:rPr lang="en-US" dirty="0"/>
+              <a:t>Need explanation  </a:t>
+            </a:r>
           </a:p>
         </p:txBody>
       </p:sp>
@@ -28460,7 +29737,7 @@
           <p:cNvPr id="6" name="Picture 5">
             <a:extLst>
               <a:ext uri="{FF2B5EF4-FFF2-40B4-BE49-F238E27FC236}">
-                <a16:creationId xmlns:a16="http://schemas.microsoft.com/office/drawing/2014/main" id="{66543059-C99F-43C8-85CE-096FD64E727F}"/>
+                <a16:creationId xmlns:a16="http://schemas.microsoft.com/office/drawing/2014/main" id="{38173E07-8BB9-43CE-B1BB-F68C4742EE04}"/>
               </a:ext>
             </a:extLst>
           </p:cNvPr>
@@ -28488,7 +29765,7 @@
     </p:spTree>
     <p:extLst>
       <p:ext uri="{BB962C8B-B14F-4D97-AF65-F5344CB8AC3E}">
-        <p14:creationId xmlns:p14="http://schemas.microsoft.com/office/powerpoint/2010/main" val="3236458125"/>
+        <p14:creationId xmlns:p14="http://schemas.microsoft.com/office/powerpoint/2010/main" val="3366491455"/>
       </p:ext>
     </p:extLst>
   </p:cSld>
@@ -28538,7 +29815,7 @@
           <a:p>
             <a:r>
               <a:rPr lang="en-US" dirty="0"/>
-              <a:t>Sample Data</a:t>
+              <a:t>Comparing portfolios</a:t>
             </a:r>
           </a:p>
         </p:txBody>
@@ -28632,7 +29909,7 @@
           <p:cNvPr id="6" name="Picture 5">
             <a:extLst>
               <a:ext uri="{FF2B5EF4-FFF2-40B4-BE49-F238E27FC236}">
-                <a16:creationId xmlns:a16="http://schemas.microsoft.com/office/drawing/2014/main" id="{D753ADF3-3991-497D-BFFF-B814207A6099}"/>
+                <a16:creationId xmlns:a16="http://schemas.microsoft.com/office/drawing/2014/main" id="{66543059-C99F-43C8-85CE-096FD64E727F}"/>
               </a:ext>
             </a:extLst>
           </p:cNvPr>
@@ -28660,7 +29937,7 @@
     </p:spTree>
     <p:extLst>
       <p:ext uri="{BB962C8B-B14F-4D97-AF65-F5344CB8AC3E}">
-        <p14:creationId xmlns:p14="http://schemas.microsoft.com/office/powerpoint/2010/main" val="3305955585"/>
+        <p14:creationId xmlns:p14="http://schemas.microsoft.com/office/powerpoint/2010/main" val="3236458125"/>
       </p:ext>
     </p:extLst>
   </p:cSld>
@@ -29462,6 +30739,15 @@
 </file>
 
 <file path=customXml/item1.xml><?xml version="1.0" encoding="utf-8"?>
+<?mso-contentType ?>
+<FormTemplates xmlns="http://schemas.microsoft.com/sharepoint/v3/contenttype/forms">
+  <Display>DocumentLibraryForm</Display>
+  <Edit>DocumentLibraryForm</Edit>
+  <New>DocumentLibraryForm</New>
+</FormTemplates>
+</file>
+
+<file path=customXml/item2.xml><?xml version="1.0" encoding="utf-8"?>
 <ct:contentTypeSchema xmlns:ct="http://schemas.microsoft.com/office/2006/metadata/contentType" xmlns:ma="http://schemas.microsoft.com/office/2006/metadata/properties/metaAttributes" ct:_="" ma:_="" ma:contentTypeName="Document" ma:contentTypeID="0x01010079F111ED35F8CC479449609E8A0923A6" ma:contentTypeVersion="11" ma:contentTypeDescription="Create a new document." ma:contentTypeScope="" ma:versionID="96291512c1ee715ab617f4c07df79fc1">
   <xsd:schema xmlns:xsd="http://www.w3.org/2001/XMLSchema" xmlns:xs="http://www.w3.org/2001/XMLSchema" xmlns:p="http://schemas.microsoft.com/office/2006/metadata/properties" xmlns:ns2="71af3243-3dd4-4a8d-8c0d-dd76da1f02a5" xmlns:ns3="16c05727-aa75-4e4a-9b5f-8a80a1165891" targetNamespace="http://schemas.microsoft.com/office/2006/metadata/properties" ma:root="true" ma:fieldsID="8256c27c40ca5c40ce1cf6c44f0205df" ns2:_="" ns3:_="">
     <xsd:import namespace="71af3243-3dd4-4a8d-8c0d-dd76da1f02a5"/>
@@ -29672,15 +30958,6 @@
 </ct:contentTypeSchema>
 </file>
 
-<file path=customXml/item2.xml><?xml version="1.0" encoding="utf-8"?>
-<?mso-contentType ?>
-<FormTemplates xmlns="http://schemas.microsoft.com/sharepoint/v3/contenttype/forms">
-  <Display>DocumentLibraryForm</Display>
-  <Edit>DocumentLibraryForm</Edit>
-  <New>DocumentLibraryForm</New>
-</FormTemplates>
-</file>
-
 <file path=customXml/item3.xml><?xml version="1.0" encoding="utf-8"?>
 <p:properties xmlns:p="http://schemas.microsoft.com/office/2006/metadata/properties" xmlns:xsi="http://www.w3.org/2001/XMLSchema-instance" xmlns:pc="http://schemas.microsoft.com/office/infopath/2007/PartnerControls">
   <documentManagement>
@@ -29690,6 +30967,14 @@
 </file>
 
 <file path=customXml/itemProps1.xml><?xml version="1.0" encoding="utf-8"?>
+<ds:datastoreItem xmlns:ds="http://schemas.openxmlformats.org/officeDocument/2006/customXml" ds:itemID="{D27BEDAB-01B4-4BD0-9390-31AD9280078C}">
+  <ds:schemaRefs>
+    <ds:schemaRef ds:uri="http://schemas.microsoft.com/sharepoint/v3/contenttype/forms"/>
+  </ds:schemaRefs>
+</ds:datastoreItem>
+</file>
+
+<file path=customXml/itemProps2.xml><?xml version="1.0" encoding="utf-8"?>
 <ds:datastoreItem xmlns:ds="http://schemas.openxmlformats.org/officeDocument/2006/customXml" ds:itemID="{6AD934DA-6EDB-4DB8-AE5C-9399A13698D6}">
   <ds:schemaRefs>
     <ds:schemaRef ds:uri="http://schemas.microsoft.com/office/2006/metadata/contentType"/>
@@ -29708,14 +30993,6 @@
 </ds:datastoreItem>
 </file>
 
-<file path=customXml/itemProps2.xml><?xml version="1.0" encoding="utf-8"?>
-<ds:datastoreItem xmlns:ds="http://schemas.openxmlformats.org/officeDocument/2006/customXml" ds:itemID="{D27BEDAB-01B4-4BD0-9390-31AD9280078C}">
-  <ds:schemaRefs>
-    <ds:schemaRef ds:uri="http://schemas.microsoft.com/sharepoint/v3/contenttype/forms"/>
-  </ds:schemaRefs>
-</ds:datastoreItem>
-</file>
-
 <file path=customXml/itemProps3.xml><?xml version="1.0" encoding="utf-8"?>
 <ds:datastoreItem xmlns:ds="http://schemas.openxmlformats.org/officeDocument/2006/customXml" ds:itemID="{9B19B998-C0F0-415C-AF4D-F10DCCD30A25}">
   <ds:schemaRefs>
